--- a/Py Web Unit2.pptx
+++ b/Py Web Unit2.pptx
@@ -14,12 +14,13 @@
     <p:sldId id="277" r:id="rId8"/>
     <p:sldId id="278" r:id="rId9"/>
     <p:sldId id="279" r:id="rId10"/>
-    <p:sldId id="263" r:id="rId11"/>
-    <p:sldId id="264" r:id="rId12"/>
-    <p:sldId id="265" r:id="rId13"/>
-    <p:sldId id="280" r:id="rId14"/>
-    <p:sldId id="281" r:id="rId15"/>
-    <p:sldId id="266" r:id="rId16"/>
+    <p:sldId id="282" r:id="rId11"/>
+    <p:sldId id="263" r:id="rId12"/>
+    <p:sldId id="264" r:id="rId13"/>
+    <p:sldId id="265" r:id="rId14"/>
+    <p:sldId id="280" r:id="rId15"/>
+    <p:sldId id="281" r:id="rId16"/>
+    <p:sldId id="266" r:id="rId17"/>
   </p:sldIdLst>
   <p:sldSz cx="12192000" cy="6858000"/>
   <p:notesSz cx="6858000" cy="9144000"/>
@@ -129,7 +130,7 @@
 <file path=ppt/revisionInfo.xml><?xml version="1.0" encoding="utf-8"?>
 <p1510:revInfo xmlns:a="http://schemas.openxmlformats.org/drawingml/2006/main" xmlns:r="http://schemas.openxmlformats.org/officeDocument/2006/relationships" xmlns:p1510="http://schemas.microsoft.com/office/powerpoint/2015/10/main">
   <p1510:revLst>
-    <p1510:client id="{3CA1537B-E7CC-47B6-AE62-BBF2C9C5EA30}" v="19" dt="2021-08-30T14:02:57.371"/>
+    <p1510:client id="{3CA1537B-E7CC-47B6-AE62-BBF2C9C5EA30}" v="24" dt="2021-10-22T07:27:12.314"/>
   </p1510:revLst>
 </p1510:revInfo>
 </file>
@@ -1353,19 +1354,19 @@
   </pc:docChgLst>
   <pc:docChgLst>
     <pc:chgData name="Li Lixiang" userId="6104bbfcb56aea79" providerId="LiveId" clId="{3CA1537B-E7CC-47B6-AE62-BBF2C9C5EA30}"/>
-    <pc:docChg chg="undo custSel addSld delSld modSld">
-      <pc:chgData name="Li Lixiang" userId="6104bbfcb56aea79" providerId="LiveId" clId="{3CA1537B-E7CC-47B6-AE62-BBF2C9C5EA30}" dt="2021-09-20T06:34:54.246" v="5476" actId="20577"/>
+    <pc:docChg chg="undo custSel addSld delSld modSld sldOrd">
+      <pc:chgData name="Li Lixiang" userId="6104bbfcb56aea79" providerId="LiveId" clId="{3CA1537B-E7CC-47B6-AE62-BBF2C9C5EA30}" dt="2021-11-01T13:58:32.298" v="7698" actId="14100"/>
       <pc:docMkLst>
         <pc:docMk/>
       </pc:docMkLst>
       <pc:sldChg chg="modSp mod">
-        <pc:chgData name="Li Lixiang" userId="6104bbfcb56aea79" providerId="LiveId" clId="{3CA1537B-E7CC-47B6-AE62-BBF2C9C5EA30}" dt="2021-08-30T03:41:59.232" v="33" actId="313"/>
+        <pc:chgData name="Li Lixiang" userId="6104bbfcb56aea79" providerId="LiveId" clId="{3CA1537B-E7CC-47B6-AE62-BBF2C9C5EA30}" dt="2021-10-11T07:44:54.701" v="6012" actId="20577"/>
         <pc:sldMkLst>
           <pc:docMk/>
           <pc:sldMk cId="993770899" sldId="256"/>
         </pc:sldMkLst>
         <pc:spChg chg="mod">
-          <ac:chgData name="Li Lixiang" userId="6104bbfcb56aea79" providerId="LiveId" clId="{3CA1537B-E7CC-47B6-AE62-BBF2C9C5EA30}" dt="2021-08-30T03:41:59.232" v="33" actId="313"/>
+          <ac:chgData name="Li Lixiang" userId="6104bbfcb56aea79" providerId="LiveId" clId="{3CA1537B-E7CC-47B6-AE62-BBF2C9C5EA30}" dt="2021-10-11T07:44:54.701" v="6012" actId="20577"/>
           <ac:spMkLst>
             <pc:docMk/>
             <pc:sldMk cId="993770899" sldId="256"/>
@@ -1374,7 +1375,7 @@
         </pc:spChg>
       </pc:sldChg>
       <pc:sldChg chg="delSp modSp mod">
-        <pc:chgData name="Li Lixiang" userId="6104bbfcb56aea79" providerId="LiveId" clId="{3CA1537B-E7CC-47B6-AE62-BBF2C9C5EA30}" dt="2021-08-30T04:01:47.828" v="1380" actId="27636"/>
+        <pc:chgData name="Li Lixiang" userId="6104bbfcb56aea79" providerId="LiveId" clId="{3CA1537B-E7CC-47B6-AE62-BBF2C9C5EA30}" dt="2021-10-18T12:45:46.325" v="6374" actId="20577"/>
         <pc:sldMkLst>
           <pc:docMk/>
           <pc:sldMk cId="4118967571" sldId="257"/>
@@ -1388,7 +1389,7 @@
           </ac:spMkLst>
         </pc:spChg>
         <pc:spChg chg="mod">
-          <ac:chgData name="Li Lixiang" userId="6104bbfcb56aea79" providerId="LiveId" clId="{3CA1537B-E7CC-47B6-AE62-BBF2C9C5EA30}" dt="2021-08-30T04:01:47.828" v="1380" actId="27636"/>
+          <ac:chgData name="Li Lixiang" userId="6104bbfcb56aea79" providerId="LiveId" clId="{3CA1537B-E7CC-47B6-AE62-BBF2C9C5EA30}" dt="2021-10-18T12:45:46.325" v="6374" actId="20577"/>
           <ac:spMkLst>
             <pc:docMk/>
             <pc:sldMk cId="4118967571" sldId="257"/>
@@ -1437,7 +1438,7 @@
         </pc:picChg>
       </pc:sldChg>
       <pc:sldChg chg="addSp delSp modSp mod">
-        <pc:chgData name="Li Lixiang" userId="6104bbfcb56aea79" providerId="LiveId" clId="{3CA1537B-E7CC-47B6-AE62-BBF2C9C5EA30}" dt="2021-09-01T03:41:59.844" v="5414" actId="1076"/>
+        <pc:chgData name="Li Lixiang" userId="6104bbfcb56aea79" providerId="LiveId" clId="{3CA1537B-E7CC-47B6-AE62-BBF2C9C5EA30}" dt="2021-10-18T13:32:24.917" v="6382" actId="14100"/>
         <pc:sldMkLst>
           <pc:docMk/>
           <pc:sldMk cId="2618729237" sldId="258"/>
@@ -1507,7 +1508,7 @@
           </ac:spMkLst>
         </pc:spChg>
         <pc:picChg chg="add mod">
-          <ac:chgData name="Li Lixiang" userId="6104bbfcb56aea79" providerId="LiveId" clId="{3CA1537B-E7CC-47B6-AE62-BBF2C9C5EA30}" dt="2021-09-01T03:41:59.844" v="5414" actId="1076"/>
+          <ac:chgData name="Li Lixiang" userId="6104bbfcb56aea79" providerId="LiveId" clId="{3CA1537B-E7CC-47B6-AE62-BBF2C9C5EA30}" dt="2021-10-18T13:32:24.917" v="6382" actId="14100"/>
           <ac:picMkLst>
             <pc:docMk/>
             <pc:sldMk cId="2618729237" sldId="258"/>
@@ -1595,7 +1596,7 @@
         </pc:spChg>
       </pc:sldChg>
       <pc:sldChg chg="addSp delSp modSp mod">
-        <pc:chgData name="Li Lixiang" userId="6104bbfcb56aea79" providerId="LiveId" clId="{3CA1537B-E7CC-47B6-AE62-BBF2C9C5EA30}" dt="2021-09-01T03:42:48.317" v="5415" actId="313"/>
+        <pc:chgData name="Li Lixiang" userId="6104bbfcb56aea79" providerId="LiveId" clId="{3CA1537B-E7CC-47B6-AE62-BBF2C9C5EA30}" dt="2021-10-22T07:27:12.312" v="6807"/>
         <pc:sldMkLst>
           <pc:docMk/>
           <pc:sldMk cId="246451916" sldId="261"/>
@@ -1625,7 +1626,7 @@
           </ac:spMkLst>
         </pc:spChg>
         <pc:spChg chg="add mod">
-          <ac:chgData name="Li Lixiang" userId="6104bbfcb56aea79" providerId="LiveId" clId="{3CA1537B-E7CC-47B6-AE62-BBF2C9C5EA30}" dt="2021-09-01T03:13:13.586" v="5319" actId="1076"/>
+          <ac:chgData name="Li Lixiang" userId="6104bbfcb56aea79" providerId="LiveId" clId="{3CA1537B-E7CC-47B6-AE62-BBF2C9C5EA30}" dt="2021-10-22T07:27:12.312" v="6807"/>
           <ac:spMkLst>
             <pc:docMk/>
             <pc:sldMk cId="246451916" sldId="261"/>
@@ -1666,7 +1667,7 @@
         </pc:picChg>
       </pc:sldChg>
       <pc:sldChg chg="addSp delSp modSp mod">
-        <pc:chgData name="Li Lixiang" userId="6104bbfcb56aea79" providerId="LiveId" clId="{3CA1537B-E7CC-47B6-AE62-BBF2C9C5EA30}" dt="2021-09-20T06:34:54.246" v="5476" actId="20577"/>
+        <pc:chgData name="Li Lixiang" userId="6104bbfcb56aea79" providerId="LiveId" clId="{3CA1537B-E7CC-47B6-AE62-BBF2C9C5EA30}" dt="2021-10-22T07:27:12.312" v="6807"/>
         <pc:sldMkLst>
           <pc:docMk/>
           <pc:sldMk cId="3489188295" sldId="262"/>
@@ -1687,8 +1688,16 @@
             <ac:spMk id="3" creationId="{588B000C-CCD7-42E0-A4A2-DB893ED55A0D}"/>
           </ac:spMkLst>
         </pc:spChg>
+        <pc:spChg chg="add mod">
+          <ac:chgData name="Li Lixiang" userId="6104bbfcb56aea79" providerId="LiveId" clId="{3CA1537B-E7CC-47B6-AE62-BBF2C9C5EA30}" dt="2021-10-18T12:47:05.199" v="6375" actId="1582"/>
+          <ac:spMkLst>
+            <pc:docMk/>
+            <pc:sldMk cId="3489188295" sldId="262"/>
+            <ac:spMk id="3" creationId="{A4537754-E7A2-4523-AFA4-6AF460A604B1}"/>
+          </ac:spMkLst>
+        </pc:spChg>
         <pc:spChg chg="mod">
-          <ac:chgData name="Li Lixiang" userId="6104bbfcb56aea79" providerId="LiveId" clId="{3CA1537B-E7CC-47B6-AE62-BBF2C9C5EA30}" dt="2021-09-20T06:34:54.246" v="5476" actId="20577"/>
+          <ac:chgData name="Li Lixiang" userId="6104bbfcb56aea79" providerId="LiveId" clId="{3CA1537B-E7CC-47B6-AE62-BBF2C9C5EA30}" dt="2021-10-22T07:27:12.312" v="6807"/>
           <ac:spMkLst>
             <pc:docMk/>
             <pc:sldMk cId="3489188295" sldId="262"/>
@@ -1703,6 +1712,14 @@
             <ac:spMk id="5" creationId="{E64D3036-BB0C-4D1D-8320-4F8B5CD5E578}"/>
           </ac:spMkLst>
         </pc:spChg>
+        <pc:spChg chg="add mod">
+          <ac:chgData name="Li Lixiang" userId="6104bbfcb56aea79" providerId="LiveId" clId="{3CA1537B-E7CC-47B6-AE62-BBF2C9C5EA30}" dt="2021-10-18T12:47:20.989" v="6378" actId="20577"/>
+          <ac:spMkLst>
+            <pc:docMk/>
+            <pc:sldMk cId="3489188295" sldId="262"/>
+            <ac:spMk id="6" creationId="{1E3E495A-057D-4DD1-B86C-D9614972F0AF}"/>
+          </ac:spMkLst>
+        </pc:spChg>
         <pc:spChg chg="add del mod">
           <ac:chgData name="Li Lixiang" userId="6104bbfcb56aea79" providerId="LiveId" clId="{3CA1537B-E7CC-47B6-AE62-BBF2C9C5EA30}" dt="2021-08-30T04:02:49.492" v="1418" actId="478"/>
           <ac:spMkLst>
@@ -1712,7 +1729,7 @@
           </ac:spMkLst>
         </pc:spChg>
         <pc:spChg chg="add mod">
-          <ac:chgData name="Li Lixiang" userId="6104bbfcb56aea79" providerId="LiveId" clId="{3CA1537B-E7CC-47B6-AE62-BBF2C9C5EA30}" dt="2021-09-01T03:11:32.231" v="5282" actId="313"/>
+          <ac:chgData name="Li Lixiang" userId="6104bbfcb56aea79" providerId="LiveId" clId="{3CA1537B-E7CC-47B6-AE62-BBF2C9C5EA30}" dt="2021-10-22T07:27:12.312" v="6807"/>
           <ac:spMkLst>
             <pc:docMk/>
             <pc:sldMk cId="3489188295" sldId="262"/>
@@ -1808,7 +1825,7 @@
         </pc:picChg>
       </pc:sldChg>
       <pc:sldChg chg="addSp delSp modSp mod">
-        <pc:chgData name="Li Lixiang" userId="6104bbfcb56aea79" providerId="LiveId" clId="{3CA1537B-E7CC-47B6-AE62-BBF2C9C5EA30}" dt="2021-08-30T09:05:24.821" v="4119" actId="1076"/>
+        <pc:chgData name="Li Lixiang" userId="6104bbfcb56aea79" providerId="LiveId" clId="{3CA1537B-E7CC-47B6-AE62-BBF2C9C5EA30}" dt="2021-10-11T07:42:45.680" v="5993" actId="1076"/>
         <pc:sldMkLst>
           <pc:docMk/>
           <pc:sldMk cId="1002109307" sldId="264"/>
@@ -1837,8 +1854,8 @@
             <ac:spMk id="9" creationId="{988344B3-9E0A-4B74-9933-1661FDAB3DDC}"/>
           </ac:spMkLst>
         </pc:spChg>
-        <pc:spChg chg="add mod">
-          <ac:chgData name="Li Lixiang" userId="6104bbfcb56aea79" providerId="LiveId" clId="{3CA1537B-E7CC-47B6-AE62-BBF2C9C5EA30}" dt="2021-08-30T09:04:48.152" v="4114" actId="1076"/>
+        <pc:spChg chg="add del mod">
+          <ac:chgData name="Li Lixiang" userId="6104bbfcb56aea79" providerId="LiveId" clId="{3CA1537B-E7CC-47B6-AE62-BBF2C9C5EA30}" dt="2021-10-11T07:42:41.885" v="5992" actId="478"/>
           <ac:spMkLst>
             <pc:docMk/>
             <pc:sldMk cId="1002109307" sldId="264"/>
@@ -1870,7 +1887,7 @@
           </ac:picMkLst>
         </pc:picChg>
         <pc:picChg chg="add mod">
-          <ac:chgData name="Li Lixiang" userId="6104bbfcb56aea79" providerId="LiveId" clId="{3CA1537B-E7CC-47B6-AE62-BBF2C9C5EA30}" dt="2021-08-30T09:05:24.821" v="4119" actId="1076"/>
+          <ac:chgData name="Li Lixiang" userId="6104bbfcb56aea79" providerId="LiveId" clId="{3CA1537B-E7CC-47B6-AE62-BBF2C9C5EA30}" dt="2021-10-11T07:42:45.680" v="5993" actId="1076"/>
           <ac:picMkLst>
             <pc:docMk/>
             <pc:sldMk cId="1002109307" sldId="264"/>
@@ -2060,7 +2077,7 @@
         </pc:sldMkLst>
       </pc:sldChg>
       <pc:sldChg chg="delSp modSp add mod">
-        <pc:chgData name="Li Lixiang" userId="6104bbfcb56aea79" providerId="LiveId" clId="{3CA1537B-E7CC-47B6-AE62-BBF2C9C5EA30}" dt="2021-09-01T03:11:35.551" v="5285" actId="313"/>
+        <pc:chgData name="Li Lixiang" userId="6104bbfcb56aea79" providerId="LiveId" clId="{3CA1537B-E7CC-47B6-AE62-BBF2C9C5EA30}" dt="2021-11-01T13:58:32.298" v="7698" actId="14100"/>
         <pc:sldMkLst>
           <pc:docMk/>
           <pc:sldMk cId="818395132" sldId="276"/>
@@ -2082,7 +2099,7 @@
           </ac:spMkLst>
         </pc:spChg>
         <pc:spChg chg="mod">
-          <ac:chgData name="Li Lixiang" userId="6104bbfcb56aea79" providerId="LiveId" clId="{3CA1537B-E7CC-47B6-AE62-BBF2C9C5EA30}" dt="2021-09-01T03:11:35.551" v="5285" actId="313"/>
+          <ac:chgData name="Li Lixiang" userId="6104bbfcb56aea79" providerId="LiveId" clId="{3CA1537B-E7CC-47B6-AE62-BBF2C9C5EA30}" dt="2021-11-01T13:58:32.298" v="7698" actId="14100"/>
           <ac:spMkLst>
             <pc:docMk/>
             <pc:sldMk cId="818395132" sldId="276"/>
@@ -2168,20 +2185,52 @@
           </ac:spMkLst>
         </pc:spChg>
       </pc:sldChg>
-      <pc:sldChg chg="modSp add mod">
-        <pc:chgData name="Li Lixiang" userId="6104bbfcb56aea79" providerId="LiveId" clId="{3CA1537B-E7CC-47B6-AE62-BBF2C9C5EA30}" dt="2021-09-01T03:45:06.273" v="5449" actId="313"/>
+      <pc:sldChg chg="addSp modSp add mod">
+        <pc:chgData name="Li Lixiang" userId="6104bbfcb56aea79" providerId="LiveId" clId="{3CA1537B-E7CC-47B6-AE62-BBF2C9C5EA30}" dt="2021-10-25T07:52:13.001" v="7685" actId="20577"/>
         <pc:sldMkLst>
           <pc:docMk/>
           <pc:sldMk cId="2795747672" sldId="279"/>
         </pc:sldMkLst>
         <pc:spChg chg="mod">
-          <ac:chgData name="Li Lixiang" userId="6104bbfcb56aea79" providerId="LiveId" clId="{3CA1537B-E7CC-47B6-AE62-BBF2C9C5EA30}" dt="2021-09-01T03:45:06.273" v="5449" actId="313"/>
+          <ac:chgData name="Li Lixiang" userId="6104bbfcb56aea79" providerId="LiveId" clId="{3CA1537B-E7CC-47B6-AE62-BBF2C9C5EA30}" dt="2021-10-22T02:13:39.696" v="6399" actId="20577"/>
           <ac:spMkLst>
             <pc:docMk/>
             <pc:sldMk cId="2795747672" sldId="279"/>
             <ac:spMk id="4" creationId="{510095AD-25F7-4D57-A453-FB73A27B98F1}"/>
           </ac:spMkLst>
         </pc:spChg>
+        <pc:spChg chg="add mod">
+          <ac:chgData name="Li Lixiang" userId="6104bbfcb56aea79" providerId="LiveId" clId="{3CA1537B-E7CC-47B6-AE62-BBF2C9C5EA30}" dt="2021-10-25T07:52:13.001" v="7685" actId="20577"/>
+          <ac:spMkLst>
+            <pc:docMk/>
+            <pc:sldMk cId="2795747672" sldId="279"/>
+            <ac:spMk id="21" creationId="{123C2738-24E0-49F0-8956-6E2DA905C5FB}"/>
+          </ac:spMkLst>
+        </pc:spChg>
+        <pc:cxnChg chg="add mod">
+          <ac:chgData name="Li Lixiang" userId="6104bbfcb56aea79" providerId="LiveId" clId="{3CA1537B-E7CC-47B6-AE62-BBF2C9C5EA30}" dt="2021-10-22T02:14:29.194" v="6415" actId="14100"/>
+          <ac:cxnSpMkLst>
+            <pc:docMk/>
+            <pc:sldMk cId="2795747672" sldId="279"/>
+            <ac:cxnSpMk id="3" creationId="{03BFC93A-42BE-4B06-B21A-181D37917AD3}"/>
+          </ac:cxnSpMkLst>
+        </pc:cxnChg>
+        <pc:cxnChg chg="add mod">
+          <ac:chgData name="Li Lixiang" userId="6104bbfcb56aea79" providerId="LiveId" clId="{3CA1537B-E7CC-47B6-AE62-BBF2C9C5EA30}" dt="2021-10-22T02:14:25.042" v="6414" actId="14100"/>
+          <ac:cxnSpMkLst>
+            <pc:docMk/>
+            <pc:sldMk cId="2795747672" sldId="279"/>
+            <ac:cxnSpMk id="9" creationId="{A9A7B876-0EC4-46C2-83F0-70A11DED24F0}"/>
+          </ac:cxnSpMkLst>
+        </pc:cxnChg>
+        <pc:cxnChg chg="add mod">
+          <ac:chgData name="Li Lixiang" userId="6104bbfcb56aea79" providerId="LiveId" clId="{3CA1537B-E7CC-47B6-AE62-BBF2C9C5EA30}" dt="2021-10-22T02:14:32.527" v="6416" actId="14100"/>
+          <ac:cxnSpMkLst>
+            <pc:docMk/>
+            <pc:sldMk cId="2795747672" sldId="279"/>
+            <ac:cxnSpMk id="12" creationId="{7A09CE2B-70CA-48AE-AFDF-EAA0FCC83D7B}"/>
+          </ac:cxnSpMkLst>
+        </pc:cxnChg>
       </pc:sldChg>
       <pc:sldChg chg="addSp delSp modSp add mod">
         <pc:chgData name="Li Lixiang" userId="6104bbfcb56aea79" providerId="LiveId" clId="{3CA1537B-E7CC-47B6-AE62-BBF2C9C5EA30}" dt="2021-08-31T01:29:22.713" v="5079" actId="20577"/>
@@ -2276,6 +2325,29 @@
             <ac:picMk id="5" creationId="{1A2B3774-DF12-419C-9371-0C2070ACD458}"/>
           </ac:picMkLst>
         </pc:picChg>
+      </pc:sldChg>
+      <pc:sldChg chg="modSp new mod ord">
+        <pc:chgData name="Li Lixiang" userId="6104bbfcb56aea79" providerId="LiveId" clId="{3CA1537B-E7CC-47B6-AE62-BBF2C9C5EA30}" dt="2021-10-28T08:14:16.395" v="7697" actId="20577"/>
+        <pc:sldMkLst>
+          <pc:docMk/>
+          <pc:sldMk cId="3217856988" sldId="282"/>
+        </pc:sldMkLst>
+        <pc:spChg chg="mod">
+          <ac:chgData name="Li Lixiang" userId="6104bbfcb56aea79" providerId="LiveId" clId="{3CA1537B-E7CC-47B6-AE62-BBF2C9C5EA30}" dt="2021-10-28T08:14:16.395" v="7697" actId="20577"/>
+          <ac:spMkLst>
+            <pc:docMk/>
+            <pc:sldMk cId="3217856988" sldId="282"/>
+            <ac:spMk id="2" creationId="{6A1C0C9B-9ECA-41A0-A462-D7CD9953A7D0}"/>
+          </ac:spMkLst>
+        </pc:spChg>
+        <pc:spChg chg="mod">
+          <ac:chgData name="Li Lixiang" userId="6104bbfcb56aea79" providerId="LiveId" clId="{3CA1537B-E7CC-47B6-AE62-BBF2C9C5EA30}" dt="2021-10-25T07:46:27.492" v="7642" actId="27636"/>
+          <ac:spMkLst>
+            <pc:docMk/>
+            <pc:sldMk cId="3217856988" sldId="282"/>
+            <ac:spMk id="3" creationId="{C9DBED77-10B8-4016-BE9E-AFD138E3EA46}"/>
+          </ac:spMkLst>
+        </pc:spChg>
       </pc:sldChg>
     </pc:docChg>
   </pc:docChgLst>
@@ -2687,7 +2759,7 @@
             <a:fld id="{A5B0A250-5CC0-1746-B209-08E8B0DAE6AF}" type="datetimeFigureOut">
               <a:rPr lang="en-US" smtClean="0"/>
               <a:pPr algn="l"/>
-              <a:t>9/20/2021</a:t>
+              <a:t>11/1/2021</a:t>
             </a:fld>
             <a:endParaRPr lang="en-US" dirty="0"/>
           </a:p>
@@ -2866,7 +2938,7 @@
           <a:p>
             <a:fld id="{A5B0A250-5CC0-1746-B209-08E8B0DAE6AF}" type="datetimeFigureOut">
               <a:rPr lang="en-US" smtClean="0"/>
-              <a:t>9/20/2021</a:t>
+              <a:t>11/1/2021</a:t>
             </a:fld>
             <a:endParaRPr lang="en-US" dirty="0"/>
           </a:p>
@@ -3046,7 +3118,7 @@
           <a:p>
             <a:fld id="{A5B0A250-5CC0-1746-B209-08E8B0DAE6AF}" type="datetimeFigureOut">
               <a:rPr lang="en-US" smtClean="0"/>
-              <a:t>9/20/2021</a:t>
+              <a:t>11/1/2021</a:t>
             </a:fld>
             <a:endParaRPr lang="en-US"/>
           </a:p>
@@ -3216,7 +3288,7 @@
           <a:p>
             <a:fld id="{A5B0A250-5CC0-1746-B209-08E8B0DAE6AF}" type="datetimeFigureOut">
               <a:rPr lang="en-US" smtClean="0"/>
-              <a:t>9/20/2021</a:t>
+              <a:t>11/1/2021</a:t>
             </a:fld>
             <a:endParaRPr lang="en-US" dirty="0"/>
           </a:p>
@@ -3529,7 +3601,7 @@
           <a:p>
             <a:fld id="{A5B0A250-5CC0-1746-B209-08E8B0DAE6AF}" type="datetimeFigureOut">
               <a:rPr lang="en-US" smtClean="0"/>
-              <a:t>9/20/2021</a:t>
+              <a:t>11/1/2021</a:t>
             </a:fld>
             <a:endParaRPr lang="en-US" dirty="0"/>
           </a:p>
@@ -3915,7 +3987,7 @@
           <a:p>
             <a:fld id="{A5B0A250-5CC0-1746-B209-08E8B0DAE6AF}" type="datetimeFigureOut">
               <a:rPr lang="en-US" smtClean="0"/>
-              <a:t>9/20/2021</a:t>
+              <a:t>11/1/2021</a:t>
             </a:fld>
             <a:endParaRPr lang="en-US" dirty="0"/>
           </a:p>
@@ -4349,7 +4421,7 @@
           <a:p>
             <a:fld id="{A5B0A250-5CC0-1746-B209-08E8B0DAE6AF}" type="datetimeFigureOut">
               <a:rPr lang="en-US" smtClean="0"/>
-              <a:t>9/20/2021</a:t>
+              <a:t>11/1/2021</a:t>
             </a:fld>
             <a:endParaRPr lang="en-US" dirty="0"/>
           </a:p>
@@ -4467,7 +4539,7 @@
           <a:p>
             <a:fld id="{A5B0A250-5CC0-1746-B209-08E8B0DAE6AF}" type="datetimeFigureOut">
               <a:rPr lang="en-US" smtClean="0"/>
-              <a:t>9/20/2021</a:t>
+              <a:t>11/1/2021</a:t>
             </a:fld>
             <a:endParaRPr lang="en-US" dirty="0"/>
           </a:p>
@@ -4563,7 +4635,7 @@
             <a:fld id="{A5B0A250-5CC0-1746-B209-08E8B0DAE6AF}" type="datetimeFigureOut">
               <a:rPr lang="en-US" smtClean="0"/>
               <a:pPr/>
-              <a:t>9/20/2021</a:t>
+              <a:t>11/1/2021</a:t>
             </a:fld>
             <a:endParaRPr lang="en-US" dirty="0"/>
           </a:p>
@@ -4914,7 +4986,7 @@
           <a:p>
             <a:fld id="{A5B0A250-5CC0-1746-B209-08E8B0DAE6AF}" type="datetimeFigureOut">
               <a:rPr lang="en-US" smtClean="0"/>
-              <a:t>9/20/2021</a:t>
+              <a:t>11/1/2021</a:t>
             </a:fld>
             <a:endParaRPr lang="en-US" dirty="0"/>
           </a:p>
@@ -5339,7 +5411,7 @@
           <a:p>
             <a:fld id="{A5B0A250-5CC0-1746-B209-08E8B0DAE6AF}" type="datetimeFigureOut">
               <a:rPr lang="en-US" smtClean="0"/>
-              <a:t>9/20/2021</a:t>
+              <a:t>11/1/2021</a:t>
             </a:fld>
             <a:endParaRPr lang="en-US" dirty="0"/>
           </a:p>
@@ -5621,7 +5693,7 @@
             <a:fld id="{A5B0A250-5CC0-1746-B209-08E8B0DAE6AF}" type="datetimeFigureOut">
               <a:rPr lang="en-US" smtClean="0"/>
               <a:pPr/>
-              <a:t>9/20/2021</a:t>
+              <a:t>11/1/2021</a:t>
             </a:fld>
             <a:endParaRPr lang="en-US" dirty="0"/>
           </a:p>
@@ -6332,7 +6404,13 @@
           <a:p>
             <a:r>
               <a:rPr lang="en-US" dirty="0"/>
-              <a:t>Questionnaire app with Django</a:t>
+              <a:t>Questionnaire app with Django:</a:t>
+            </a:r>
+          </a:p>
+          <a:p>
+            <a:r>
+              <a:rPr lang="en-US" dirty="0"/>
+              <a:t>Work with models</a:t>
             </a:r>
             <a:endParaRPr lang="en-MY" dirty="0"/>
           </a:p>
@@ -6732,6 +6810,276 @@
           <p:cNvPr id="2" name="Title 1">
             <a:extLst>
               <a:ext uri="{FF2B5EF4-FFF2-40B4-BE49-F238E27FC236}">
+                <a16:creationId xmlns:a16="http://schemas.microsoft.com/office/drawing/2014/main" id="{6A1C0C9B-9ECA-41A0-A462-D7CD9953A7D0}"/>
+              </a:ext>
+            </a:extLst>
+          </p:cNvPr>
+          <p:cNvSpPr>
+            <a:spLocks noGrp="1"/>
+          </p:cNvSpPr>
+          <p:nvPr>
+            <p:ph type="title"/>
+          </p:nvPr>
+        </p:nvSpPr>
+        <p:spPr/>
+        <p:txBody>
+          <a:bodyPr/>
+          <a:lstStyle/>
+          <a:p>
+            <a:r>
+              <a:rPr lang="en-US" dirty="0"/>
+              <a:t>Basic model operation methods</a:t>
+            </a:r>
+            <a:endParaRPr lang="en-MY" dirty="0"/>
+          </a:p>
+        </p:txBody>
+      </p:sp>
+      <p:sp>
+        <p:nvSpPr>
+          <p:cNvPr id="3" name="Content Placeholder 2">
+            <a:extLst>
+              <a:ext uri="{FF2B5EF4-FFF2-40B4-BE49-F238E27FC236}">
+                <a16:creationId xmlns:a16="http://schemas.microsoft.com/office/drawing/2014/main" id="{C9DBED77-10B8-4016-BE9E-AFD138E3EA46}"/>
+              </a:ext>
+            </a:extLst>
+          </p:cNvPr>
+          <p:cNvSpPr>
+            <a:spLocks noGrp="1"/>
+          </p:cNvSpPr>
+          <p:nvPr>
+            <p:ph idx="1"/>
+          </p:nvPr>
+        </p:nvSpPr>
+        <p:spPr>
+          <a:xfrm>
+            <a:off x="1069848" y="1736436"/>
+            <a:ext cx="10058400" cy="4636932"/>
+          </a:xfrm>
+        </p:spPr>
+        <p:txBody>
+          <a:bodyPr>
+            <a:normAutofit fontScale="92500" lnSpcReduction="20000"/>
+          </a:bodyPr>
+          <a:lstStyle/>
+          <a:p>
+            <a:r>
+              <a:rPr lang="en-US" dirty="0"/>
+              <a:t>Create</a:t>
+            </a:r>
+          </a:p>
+          <a:p>
+            <a:pPr lvl="1"/>
+            <a:r>
+              <a:rPr lang="en-US" dirty="0"/>
+              <a:t>Model class instantiation and save().</a:t>
+            </a:r>
+          </a:p>
+          <a:p>
+            <a:pPr lvl="1"/>
+            <a:r>
+              <a:rPr lang="en-US" dirty="0"/>
+              <a:t>Manager create() method: </a:t>
+            </a:r>
+            <a:r>
+              <a:rPr lang="en-US" dirty="0" err="1"/>
+              <a:t>Model.objects.create</a:t>
+            </a:r>
+            <a:r>
+              <a:rPr lang="en-US" dirty="0"/>
+              <a:t>()</a:t>
+            </a:r>
+          </a:p>
+          <a:p>
+            <a:pPr lvl="1"/>
+            <a:r>
+              <a:rPr lang="en-US" dirty="0" err="1"/>
+              <a:t>ForeignKey</a:t>
+            </a:r>
+            <a:r>
+              <a:rPr lang="en-US" dirty="0"/>
+              <a:t>: use object instance to assign</a:t>
+            </a:r>
+          </a:p>
+          <a:p>
+            <a:pPr lvl="1"/>
+            <a:r>
+              <a:rPr lang="en-US" dirty="0" err="1"/>
+              <a:t>ForeignKey</a:t>
+            </a:r>
+            <a:r>
+              <a:rPr lang="en-US" dirty="0"/>
+              <a:t> relation: use …_</a:t>
+            </a:r>
+            <a:r>
+              <a:rPr lang="en-US" dirty="0" err="1"/>
+              <a:t>set.create</a:t>
+            </a:r>
+            <a:r>
+              <a:rPr lang="en-US" dirty="0"/>
+              <a:t>()   (</a:t>
+            </a:r>
+            <a:r>
+              <a:rPr lang="en-US" dirty="0" err="1"/>
+              <a:t>related_name</a:t>
+            </a:r>
+            <a:r>
+              <a:rPr lang="en-US" dirty="0"/>
+              <a:t>)</a:t>
+            </a:r>
+          </a:p>
+          <a:p>
+            <a:pPr lvl="1"/>
+            <a:r>
+              <a:rPr lang="en-US" dirty="0" err="1"/>
+              <a:t>ManyToMany</a:t>
+            </a:r>
+            <a:r>
+              <a:rPr lang="en-US" dirty="0"/>
+              <a:t> field: .add(… , … , …) with object instance as parameters</a:t>
+            </a:r>
+          </a:p>
+          <a:p>
+            <a:r>
+              <a:rPr lang="en-US" dirty="0"/>
+              <a:t>Update</a:t>
+            </a:r>
+          </a:p>
+          <a:p>
+            <a:pPr lvl="1"/>
+            <a:r>
+              <a:rPr lang="en-US" dirty="0"/>
+              <a:t>Get the object instance, then update related attributes will update the record</a:t>
+            </a:r>
+          </a:p>
+          <a:p>
+            <a:pPr lvl="1"/>
+            <a:r>
+              <a:rPr lang="en-US" dirty="0"/>
+              <a:t>After update use save()</a:t>
+            </a:r>
+          </a:p>
+          <a:p>
+            <a:r>
+              <a:rPr lang="en-US" dirty="0"/>
+              <a:t>Retrieve</a:t>
+            </a:r>
+          </a:p>
+          <a:p>
+            <a:pPr lvl="1"/>
+            <a:r>
+              <a:rPr lang="en-US" dirty="0"/>
+              <a:t>all()</a:t>
+            </a:r>
+          </a:p>
+          <a:p>
+            <a:pPr lvl="1"/>
+            <a:r>
+              <a:rPr lang="en-US" dirty="0"/>
+              <a:t>filter(**</a:t>
+            </a:r>
+            <a:r>
+              <a:rPr lang="en-US" dirty="0" err="1"/>
+              <a:t>kwargs</a:t>
+            </a:r>
+            <a:r>
+              <a:rPr lang="en-US" dirty="0"/>
+              <a:t>)</a:t>
+            </a:r>
+          </a:p>
+          <a:p>
+            <a:pPr lvl="1"/>
+            <a:r>
+              <a:rPr lang="en-US" dirty="0"/>
+              <a:t>exclude(**</a:t>
+            </a:r>
+            <a:r>
+              <a:rPr lang="en-US" dirty="0" err="1"/>
+              <a:t>kwargs</a:t>
+            </a:r>
+            <a:r>
+              <a:rPr lang="en-US" dirty="0"/>
+              <a:t>)</a:t>
+            </a:r>
+          </a:p>
+          <a:p>
+            <a:pPr lvl="1"/>
+            <a:r>
+              <a:rPr lang="en-US" dirty="0"/>
+              <a:t>get(**</a:t>
+            </a:r>
+            <a:r>
+              <a:rPr lang="en-US" dirty="0" err="1"/>
+              <a:t>kwargs</a:t>
+            </a:r>
+            <a:r>
+              <a:rPr lang="en-US" dirty="0"/>
+              <a:t>): if the query only return back one object.</a:t>
+            </a:r>
+          </a:p>
+          <a:p>
+            <a:pPr lvl="1"/>
+            <a:r>
+              <a:rPr lang="en-US" dirty="0"/>
+              <a:t>Chaining of those methods.</a:t>
+            </a:r>
+          </a:p>
+          <a:p>
+            <a:pPr lvl="1"/>
+            <a:r>
+              <a:rPr lang="en-US" dirty="0" err="1"/>
+              <a:t>QuerySets</a:t>
+            </a:r>
+            <a:r>
+              <a:rPr lang="en-US" dirty="0"/>
+              <a:t>[</a:t>
+            </a:r>
+            <a:r>
+              <a:rPr lang="en-US" dirty="0" err="1"/>
+              <a:t>start:end</a:t>
+            </a:r>
+            <a:r>
+              <a:rPr lang="en-US" dirty="0"/>
+              <a:t>], to use OFFSET and LIMIT clause to get a slice of the objects. (not allow negative indexes)</a:t>
+            </a:r>
+            <a:endParaRPr lang="en-MY" dirty="0"/>
+          </a:p>
+        </p:txBody>
+      </p:sp>
+    </p:spTree>
+    <p:extLst>
+      <p:ext uri="{BB962C8B-B14F-4D97-AF65-F5344CB8AC3E}">
+        <p14:creationId xmlns:p14="http://schemas.microsoft.com/office/powerpoint/2010/main" val="3217856988"/>
+      </p:ext>
+    </p:extLst>
+  </p:cSld>
+  <p:clrMapOvr>
+    <a:masterClrMapping/>
+  </p:clrMapOvr>
+</p:sld>
+</file>
+
+<file path=ppt/slides/slide11.xml><?xml version="1.0" encoding="utf-8"?>
+<p:sld xmlns:a="http://schemas.openxmlformats.org/drawingml/2006/main" xmlns:r="http://schemas.openxmlformats.org/officeDocument/2006/relationships" xmlns:p="http://schemas.openxmlformats.org/presentationml/2006/main">
+  <p:cSld>
+    <p:spTree>
+      <p:nvGrpSpPr>
+        <p:cNvPr id="1" name=""/>
+        <p:cNvGrpSpPr/>
+        <p:nvPr/>
+      </p:nvGrpSpPr>
+      <p:grpSpPr>
+        <a:xfrm>
+          <a:off x="0" y="0"/>
+          <a:ext cx="0" cy="0"/>
+          <a:chOff x="0" y="0"/>
+          <a:chExt cx="0" cy="0"/>
+        </a:xfrm>
+      </p:grpSpPr>
+      <p:sp>
+        <p:nvSpPr>
+          <p:cNvPr id="2" name="Title 1">
+            <a:extLst>
+              <a:ext uri="{FF2B5EF4-FFF2-40B4-BE49-F238E27FC236}">
                 <a16:creationId xmlns:a16="http://schemas.microsoft.com/office/drawing/2014/main" id="{5A817F65-0249-4813-916F-D22CF5F41D8C}"/>
               </a:ext>
             </a:extLst>
@@ -7581,7 +7929,7 @@
 </p:sld>
 </file>
 
-<file path=ppt/slides/slide11.xml><?xml version="1.0" encoding="utf-8"?>
+<file path=ppt/slides/slide12.xml><?xml version="1.0" encoding="utf-8"?>
 <p:sld xmlns:a="http://schemas.openxmlformats.org/drawingml/2006/main" xmlns:r="http://schemas.openxmlformats.org/officeDocument/2006/relationships" xmlns:p="http://schemas.openxmlformats.org/presentationml/2006/main">
   <p:cSld>
     <p:spTree>
@@ -7755,286 +8103,6 @@
           </a:prstGeom>
         </p:spPr>
       </p:pic>
-      <p:sp>
-        <p:nvSpPr>
-          <p:cNvPr id="11" name="Content Placeholder 2">
-            <a:extLst>
-              <a:ext uri="{FF2B5EF4-FFF2-40B4-BE49-F238E27FC236}">
-                <a16:creationId xmlns:a16="http://schemas.microsoft.com/office/drawing/2014/main" id="{9D2D2309-5C4D-489A-8DB6-FC108F33F01A}"/>
-              </a:ext>
-            </a:extLst>
-          </p:cNvPr>
-          <p:cNvSpPr txBox="1">
-            <a:spLocks/>
-          </p:cNvSpPr>
-          <p:nvPr/>
-        </p:nvSpPr>
-        <p:spPr>
-          <a:xfrm>
-            <a:off x="1066800" y="4657511"/>
-            <a:ext cx="10058400" cy="649784"/>
-          </a:xfrm>
-          <a:prstGeom prst="rect">
-            <a:avLst/>
-          </a:prstGeom>
-        </p:spPr>
-        <p:txBody>
-          <a:bodyPr vert="horz" lIns="91440" tIns="45720" rIns="91440" bIns="45720" rtlCol="0">
-            <a:normAutofit/>
-          </a:bodyPr>
-          <a:lstStyle>
-            <a:lvl1pPr marL="182880" indent="-182880" algn="l" defTabSz="914400" rtl="0" eaLnBrk="1" latinLnBrk="0" hangingPunct="1">
-              <a:lnSpc>
-                <a:spcPct val="90000"/>
-              </a:lnSpc>
-              <a:spcBef>
-                <a:spcPts val="1200"/>
-              </a:spcBef>
-              <a:buClr>
-                <a:schemeClr val="accent1">
-                  <a:lumMod val="75000"/>
-                </a:schemeClr>
-              </a:buClr>
-              <a:buSzPct val="85000"/>
-              <a:buFont typeface="Wingdings" pitchFamily="2" charset="2"/>
-              <a:buChar char="§"/>
-              <a:defRPr sz="2000" kern="1200">
-                <a:solidFill>
-                  <a:schemeClr val="tx1"/>
-                </a:solidFill>
-                <a:latin typeface="+mn-lt"/>
-                <a:ea typeface="+mn-ea"/>
-                <a:cs typeface="+mn-cs"/>
-              </a:defRPr>
-            </a:lvl1pPr>
-            <a:lvl2pPr marL="457200" indent="-182880" algn="l" defTabSz="914400" rtl="0" eaLnBrk="1" latinLnBrk="0" hangingPunct="1">
-              <a:lnSpc>
-                <a:spcPct val="90000"/>
-              </a:lnSpc>
-              <a:spcBef>
-                <a:spcPts val="400"/>
-              </a:spcBef>
-              <a:spcAft>
-                <a:spcPts val="200"/>
-              </a:spcAft>
-              <a:buClr>
-                <a:schemeClr val="accent1">
-                  <a:lumMod val="75000"/>
-                </a:schemeClr>
-              </a:buClr>
-              <a:buSzPct val="85000"/>
-              <a:buFont typeface="Wingdings" pitchFamily="2" charset="2"/>
-              <a:buChar char="§"/>
-              <a:defRPr sz="1800" kern="1200">
-                <a:solidFill>
-                  <a:schemeClr val="tx1"/>
-                </a:solidFill>
-                <a:latin typeface="+mn-lt"/>
-                <a:ea typeface="+mn-ea"/>
-                <a:cs typeface="+mn-cs"/>
-              </a:defRPr>
-            </a:lvl2pPr>
-            <a:lvl3pPr marL="731520" indent="-182880" algn="l" defTabSz="914400" rtl="0" eaLnBrk="1" latinLnBrk="0" hangingPunct="1">
-              <a:lnSpc>
-                <a:spcPct val="90000"/>
-              </a:lnSpc>
-              <a:spcBef>
-                <a:spcPts val="400"/>
-              </a:spcBef>
-              <a:spcAft>
-                <a:spcPts val="200"/>
-              </a:spcAft>
-              <a:buClr>
-                <a:schemeClr val="accent1">
-                  <a:lumMod val="75000"/>
-                </a:schemeClr>
-              </a:buClr>
-              <a:buSzPct val="85000"/>
-              <a:buFont typeface="Wingdings" pitchFamily="2" charset="2"/>
-              <a:buChar char="§"/>
-              <a:defRPr sz="1600" kern="1200">
-                <a:solidFill>
-                  <a:schemeClr val="tx1"/>
-                </a:solidFill>
-                <a:latin typeface="+mn-lt"/>
-                <a:ea typeface="+mn-ea"/>
-                <a:cs typeface="+mn-cs"/>
-              </a:defRPr>
-            </a:lvl3pPr>
-            <a:lvl4pPr marL="1005840" indent="-182880" algn="l" defTabSz="914400" rtl="0" eaLnBrk="1" latinLnBrk="0" hangingPunct="1">
-              <a:lnSpc>
-                <a:spcPct val="90000"/>
-              </a:lnSpc>
-              <a:spcBef>
-                <a:spcPts val="400"/>
-              </a:spcBef>
-              <a:spcAft>
-                <a:spcPts val="200"/>
-              </a:spcAft>
-              <a:buClr>
-                <a:schemeClr val="accent1">
-                  <a:lumMod val="75000"/>
-                </a:schemeClr>
-              </a:buClr>
-              <a:buSzPct val="85000"/>
-              <a:buFont typeface="Wingdings" pitchFamily="2" charset="2"/>
-              <a:buChar char="§"/>
-              <a:defRPr sz="1600" kern="1200">
-                <a:solidFill>
-                  <a:schemeClr val="tx1"/>
-                </a:solidFill>
-                <a:latin typeface="+mn-lt"/>
-                <a:ea typeface="+mn-ea"/>
-                <a:cs typeface="+mn-cs"/>
-              </a:defRPr>
-            </a:lvl4pPr>
-            <a:lvl5pPr marL="1280160" indent="-182880" algn="l" defTabSz="914400" rtl="0" eaLnBrk="1" latinLnBrk="0" hangingPunct="1">
-              <a:lnSpc>
-                <a:spcPct val="90000"/>
-              </a:lnSpc>
-              <a:spcBef>
-                <a:spcPts val="400"/>
-              </a:spcBef>
-              <a:spcAft>
-                <a:spcPts val="200"/>
-              </a:spcAft>
-              <a:buClr>
-                <a:schemeClr val="accent1">
-                  <a:lumMod val="75000"/>
-                </a:schemeClr>
-              </a:buClr>
-              <a:buSzPct val="85000"/>
-              <a:buFont typeface="Wingdings" pitchFamily="2" charset="2"/>
-              <a:buChar char="§"/>
-              <a:defRPr sz="1600" kern="1200">
-                <a:solidFill>
-                  <a:schemeClr val="tx1"/>
-                </a:solidFill>
-                <a:latin typeface="+mn-lt"/>
-                <a:ea typeface="+mn-ea"/>
-                <a:cs typeface="+mn-cs"/>
-              </a:defRPr>
-            </a:lvl5pPr>
-            <a:lvl6pPr marL="1600000" indent="-228600" algn="l" defTabSz="914400" rtl="0" eaLnBrk="1" latinLnBrk="0" hangingPunct="1">
-              <a:lnSpc>
-                <a:spcPct val="90000"/>
-              </a:lnSpc>
-              <a:spcBef>
-                <a:spcPts val="400"/>
-              </a:spcBef>
-              <a:spcAft>
-                <a:spcPts val="200"/>
-              </a:spcAft>
-              <a:buClr>
-                <a:schemeClr val="accent1">
-                  <a:lumMod val="75000"/>
-                </a:schemeClr>
-              </a:buClr>
-              <a:buSzPct val="85000"/>
-              <a:buFont typeface="Wingdings" pitchFamily="2" charset="2"/>
-              <a:buChar char="§"/>
-              <a:defRPr sz="1600" kern="1200">
-                <a:solidFill>
-                  <a:schemeClr val="tx1"/>
-                </a:solidFill>
-                <a:latin typeface="+mn-lt"/>
-                <a:ea typeface="+mn-ea"/>
-                <a:cs typeface="+mn-cs"/>
-              </a:defRPr>
-            </a:lvl6pPr>
-            <a:lvl7pPr marL="1900000" indent="-228600" algn="l" defTabSz="914400" rtl="0" eaLnBrk="1" latinLnBrk="0" hangingPunct="1">
-              <a:lnSpc>
-                <a:spcPct val="90000"/>
-              </a:lnSpc>
-              <a:spcBef>
-                <a:spcPts val="400"/>
-              </a:spcBef>
-              <a:spcAft>
-                <a:spcPts val="200"/>
-              </a:spcAft>
-              <a:buClr>
-                <a:schemeClr val="accent1">
-                  <a:lumMod val="75000"/>
-                </a:schemeClr>
-              </a:buClr>
-              <a:buSzPct val="85000"/>
-              <a:buFont typeface="Wingdings" pitchFamily="2" charset="2"/>
-              <a:buChar char="§"/>
-              <a:defRPr sz="1600" kern="1200">
-                <a:solidFill>
-                  <a:schemeClr val="tx1"/>
-                </a:solidFill>
-                <a:latin typeface="+mn-lt"/>
-                <a:ea typeface="+mn-ea"/>
-                <a:cs typeface="+mn-cs"/>
-              </a:defRPr>
-            </a:lvl7pPr>
-            <a:lvl8pPr marL="2200000" indent="-228600" algn="l" defTabSz="914400" rtl="0" eaLnBrk="1" latinLnBrk="0" hangingPunct="1">
-              <a:lnSpc>
-                <a:spcPct val="90000"/>
-              </a:lnSpc>
-              <a:spcBef>
-                <a:spcPts val="400"/>
-              </a:spcBef>
-              <a:spcAft>
-                <a:spcPts val="200"/>
-              </a:spcAft>
-              <a:buClr>
-                <a:schemeClr val="accent1">
-                  <a:lumMod val="75000"/>
-                </a:schemeClr>
-              </a:buClr>
-              <a:buSzPct val="85000"/>
-              <a:buFont typeface="Wingdings" pitchFamily="2" charset="2"/>
-              <a:buChar char="§"/>
-              <a:defRPr sz="1600" kern="1200">
-                <a:solidFill>
-                  <a:schemeClr val="tx1"/>
-                </a:solidFill>
-                <a:latin typeface="+mn-lt"/>
-                <a:ea typeface="+mn-ea"/>
-                <a:cs typeface="+mn-cs"/>
-              </a:defRPr>
-            </a:lvl8pPr>
-            <a:lvl9pPr marL="2500000" indent="-228600" algn="l" defTabSz="914400" rtl="0" eaLnBrk="1" latinLnBrk="0" hangingPunct="1">
-              <a:lnSpc>
-                <a:spcPct val="90000"/>
-              </a:lnSpc>
-              <a:spcBef>
-                <a:spcPts val="400"/>
-              </a:spcBef>
-              <a:spcAft>
-                <a:spcPts val="200"/>
-              </a:spcAft>
-              <a:buClr>
-                <a:schemeClr val="accent1">
-                  <a:lumMod val="75000"/>
-                </a:schemeClr>
-              </a:buClr>
-              <a:buSzPct val="85000"/>
-              <a:buFont typeface="Wingdings" pitchFamily="2" charset="2"/>
-              <a:buChar char="§"/>
-              <a:defRPr sz="1600" kern="1200">
-                <a:solidFill>
-                  <a:schemeClr val="tx1"/>
-                </a:solidFill>
-                <a:latin typeface="+mn-lt"/>
-                <a:ea typeface="+mn-ea"/>
-                <a:cs typeface="+mn-cs"/>
-              </a:defRPr>
-            </a:lvl9pPr>
-          </a:lstStyle>
-          <a:p>
-            <a:r>
-              <a:rPr lang="en-US"/>
-              <a:t>For the class in models.py, add __str__() for each of them.</a:t>
-            </a:r>
-          </a:p>
-          <a:p>
-            <a:endParaRPr lang="en-US" dirty="0"/>
-          </a:p>
-        </p:txBody>
-      </p:sp>
       <p:pic>
         <p:nvPicPr>
           <p:cNvPr id="13" name="Picture 12">
@@ -8057,7 +8125,7 @@
         </p:blipFill>
         <p:spPr>
           <a:xfrm>
-            <a:off x="2510575" y="5204625"/>
+            <a:off x="1934232" y="4197861"/>
             <a:ext cx="3648584" cy="1543265"/>
           </a:xfrm>
           <a:prstGeom prst="rect">
@@ -8078,7 +8146,7 @@
 </p:sld>
 </file>
 
-<file path=ppt/slides/slide12.xml><?xml version="1.0" encoding="utf-8"?>
+<file path=ppt/slides/slide13.xml><?xml version="1.0" encoding="utf-8"?>
 <p:sld xmlns:a="http://schemas.openxmlformats.org/drawingml/2006/main" xmlns:r="http://schemas.openxmlformats.org/officeDocument/2006/relationships" xmlns:p="http://schemas.openxmlformats.org/presentationml/2006/main">
   <p:cSld>
     <p:spTree>
@@ -8525,7 +8593,7 @@
 </p:sld>
 </file>
 
-<file path=ppt/slides/slide13.xml><?xml version="1.0" encoding="utf-8"?>
+<file path=ppt/slides/slide14.xml><?xml version="1.0" encoding="utf-8"?>
 <p:sld xmlns:a="http://schemas.openxmlformats.org/drawingml/2006/main" xmlns:r="http://schemas.openxmlformats.org/officeDocument/2006/relationships" xmlns:p="http://schemas.openxmlformats.org/presentationml/2006/main">
   <p:cSld>
     <p:spTree>
@@ -8932,7 +9000,7 @@
 </p:sld>
 </file>
 
-<file path=ppt/slides/slide14.xml><?xml version="1.0" encoding="utf-8"?>
+<file path=ppt/slides/slide15.xml><?xml version="1.0" encoding="utf-8"?>
 <p:sld xmlns:a="http://schemas.openxmlformats.org/drawingml/2006/main" xmlns:r="http://schemas.openxmlformats.org/officeDocument/2006/relationships" xmlns:p="http://schemas.openxmlformats.org/presentationml/2006/main">
   <p:cSld>
     <p:spTree>
@@ -8992,7 +9060,7 @@
 </p:sld>
 </file>
 
-<file path=ppt/slides/slide15.xml><?xml version="1.0" encoding="utf-8"?>
+<file path=ppt/slides/slide16.xml><?xml version="1.0" encoding="utf-8"?>
 <p:sld xmlns:a="http://schemas.openxmlformats.org/drawingml/2006/main" xmlns:r="http://schemas.openxmlformats.org/officeDocument/2006/relationships" xmlns:p="http://schemas.openxmlformats.org/presentationml/2006/main">
   <p:cSld>
     <p:spTree>
@@ -9193,7 +9261,7 @@
         </p:spPr>
         <p:txBody>
           <a:bodyPr>
-            <a:normAutofit/>
+            <a:normAutofit lnSpcReduction="10000"/>
           </a:bodyPr>
           <a:lstStyle/>
           <a:p>
@@ -9220,14 +9288,28 @@
             <a:pPr lvl="1"/>
             <a:r>
               <a:rPr lang="en-US" dirty="0"/>
-              <a:t>Each answer option can have many users to vote.</a:t>
+              <a:t>Each user come to participate all questions.</a:t>
             </a:r>
           </a:p>
           <a:p>
             <a:pPr lvl="1"/>
             <a:r>
               <a:rPr lang="en-US" dirty="0"/>
-              <a:t>Restriction: questions are single choice, one user can only vote for one answer option.</a:t>
+              <a:t>Restriction: </a:t>
+            </a:r>
+          </a:p>
+          <a:p>
+            <a:pPr lvl="2"/>
+            <a:r>
+              <a:rPr lang="en-US" dirty="0"/>
+              <a:t>questions are single choice. User choose one from all the choices as answer.</a:t>
+            </a:r>
+          </a:p>
+          <a:p>
+            <a:pPr lvl="2"/>
+            <a:r>
+              <a:rPr lang="en-US" dirty="0"/>
+              <a:t>One user should answer all questions then the questionnaire participate will be valid.</a:t>
             </a:r>
           </a:p>
           <a:p>
@@ -9240,7 +9322,14 @@
             <a:pPr lvl="1"/>
             <a:r>
               <a:rPr lang="en-US" dirty="0"/>
-              <a:t>Homepage is the question list. (‘’)</a:t>
+              <a:t>Homepage showing the question list. (‘’)</a:t>
+            </a:r>
+          </a:p>
+          <a:p>
+            <a:pPr lvl="1"/>
+            <a:r>
+              <a:rPr lang="en-US" dirty="0"/>
+              <a:t>Can participate the questionnaire and answer all questions.</a:t>
             </a:r>
           </a:p>
           <a:p>
@@ -9262,22 +9351,7 @@
             <a:pPr lvl="1"/>
             <a:r>
               <a:rPr lang="en-US" dirty="0"/>
-              <a:t>When in detail view the user can click on a vote button and enter vote form for that question. (‘/vote/&lt;</a:t>
-            </a:r>
-            <a:r>
-              <a:rPr lang="en-US" dirty="0" err="1"/>
-              <a:t>int:pk</a:t>
-            </a:r>
-            <a:r>
-              <a:rPr lang="en-US" dirty="0"/>
-              <a:t>&gt;/’)</a:t>
-            </a:r>
-          </a:p>
-          <a:p>
-            <a:pPr lvl="1"/>
-            <a:r>
-              <a:rPr lang="en-US" dirty="0"/>
-              <a:t>After submit the vote automatically give the vote result of that question. (‘/stat/&lt;</a:t>
+              <a:t>Can check detail how many vote for each options of the question (‘/result/&lt;</a:t>
             </a:r>
             <a:r>
               <a:rPr lang="en-US" dirty="0" err="1"/>
@@ -9376,8 +9450,8 @@
         </p:nvSpPr>
         <p:spPr>
           <a:xfrm>
-            <a:off x="1293269" y="2339707"/>
-            <a:ext cx="3207709" cy="2063617"/>
+            <a:off x="1734866" y="2093976"/>
+            <a:ext cx="5829715" cy="2063617"/>
           </a:xfrm>
           <a:prstGeom prst="rect">
             <a:avLst/>
@@ -9652,78 +9726,14 @@
                 <a:latin typeface="Cascadia Mono" pitchFamily="50" charset="0"/>
                 <a:cs typeface="Cascadia Mono" pitchFamily="50" charset="0"/>
               </a:rPr>
-              <a:t> 2myprj</a:t>
-            </a:r>
-          </a:p>
-          <a:p>
-            <a:pPr marL="0" indent="0">
-              <a:buNone/>
-            </a:pPr>
-            <a:r>
-              <a:rPr lang="en-US" sz="1400" dirty="0">
-                <a:latin typeface="Cascadia Mono" pitchFamily="50" charset="0"/>
-                <a:cs typeface="Cascadia Mono" pitchFamily="50" charset="0"/>
-              </a:rPr>
-              <a:t>PS&gt; cd 2myprj</a:t>
-            </a:r>
-          </a:p>
-          <a:p>
-            <a:pPr marL="0" indent="0">
-              <a:buNone/>
-            </a:pPr>
-            <a:r>
-              <a:rPr lang="en-US" sz="1400" dirty="0">
-                <a:latin typeface="Cascadia Mono" pitchFamily="50" charset="0"/>
-                <a:cs typeface="Cascadia Mono" pitchFamily="50" charset="0"/>
-              </a:rPr>
-              <a:t>PS&gt; </a:t>
+              <a:t> </a:t>
             </a:r>
             <a:r>
               <a:rPr lang="en-US" sz="1400" dirty="0" err="1">
                 <a:latin typeface="Cascadia Mono" pitchFamily="50" charset="0"/>
                 <a:cs typeface="Cascadia Mono" pitchFamily="50" charset="0"/>
               </a:rPr>
-              <a:t>pipenv</a:t>
-            </a:r>
-            <a:r>
-              <a:rPr lang="en-US" sz="1400" dirty="0">
-                <a:latin typeface="Cascadia Mono" pitchFamily="50" charset="0"/>
-                <a:cs typeface="Cascadia Mono" pitchFamily="50" charset="0"/>
-              </a:rPr>
-              <a:t> --python 3</a:t>
-            </a:r>
-          </a:p>
-          <a:p>
-            <a:pPr marL="0" indent="0">
-              <a:buNone/>
-            </a:pPr>
-            <a:r>
-              <a:rPr lang="en-US" sz="1400" dirty="0">
-                <a:latin typeface="Cascadia Mono" pitchFamily="50" charset="0"/>
-                <a:cs typeface="Cascadia Mono" pitchFamily="50" charset="0"/>
-              </a:rPr>
-              <a:t>PS&gt; </a:t>
-            </a:r>
-            <a:r>
-              <a:rPr lang="en-US" sz="1400" dirty="0" err="1">
-                <a:latin typeface="Cascadia Mono" pitchFamily="50" charset="0"/>
-                <a:cs typeface="Cascadia Mono" pitchFamily="50" charset="0"/>
-              </a:rPr>
-              <a:t>pipenv</a:t>
-            </a:r>
-            <a:r>
-              <a:rPr lang="en-US" sz="1400" dirty="0">
-                <a:latin typeface="Cascadia Mono" pitchFamily="50" charset="0"/>
-                <a:cs typeface="Cascadia Mono" pitchFamily="50" charset="0"/>
-              </a:rPr>
-              <a:t> install </a:t>
-            </a:r>
-            <a:r>
-              <a:rPr lang="en-US" sz="1400" dirty="0" err="1">
-                <a:latin typeface="Cascadia Mono" pitchFamily="50" charset="0"/>
-                <a:cs typeface="Cascadia Mono" pitchFamily="50" charset="0"/>
-              </a:rPr>
-              <a:t>django</a:t>
+              <a:t>QuestionPrj</a:t>
             </a:r>
             <a:endParaRPr lang="en-US" sz="1400" dirty="0">
               <a:latin typeface="Cascadia Mono" pitchFamily="50" charset="0"/>
@@ -9739,6 +9749,29 @@
                 <a:latin typeface="Cascadia Mono" pitchFamily="50" charset="0"/>
                 <a:cs typeface="Cascadia Mono" pitchFamily="50" charset="0"/>
               </a:rPr>
+              <a:t>PS&gt; cd </a:t>
+            </a:r>
+            <a:r>
+              <a:rPr lang="en-US" sz="1400" dirty="0" err="1">
+                <a:latin typeface="Cascadia Mono" pitchFamily="50" charset="0"/>
+                <a:cs typeface="Cascadia Mono" pitchFamily="50" charset="0"/>
+              </a:rPr>
+              <a:t>QuestionPrj</a:t>
+            </a:r>
+            <a:endParaRPr lang="en-US" sz="1400" dirty="0">
+              <a:latin typeface="Cascadia Mono" pitchFamily="50" charset="0"/>
+              <a:cs typeface="Cascadia Mono" pitchFamily="50" charset="0"/>
+            </a:endParaRPr>
+          </a:p>
+          <a:p>
+            <a:pPr marL="0" indent="0">
+              <a:buNone/>
+            </a:pPr>
+            <a:r>
+              <a:rPr lang="en-US" sz="1400" dirty="0">
+                <a:latin typeface="Cascadia Mono" pitchFamily="50" charset="0"/>
+                <a:cs typeface="Cascadia Mono" pitchFamily="50" charset="0"/>
+              </a:rPr>
               <a:t>PS&gt; </a:t>
             </a:r>
             <a:r>
@@ -9753,7 +9786,7 @@
                 <a:latin typeface="Cascadia Mono" pitchFamily="50" charset="0"/>
                 <a:cs typeface="Cascadia Mono" pitchFamily="50" charset="0"/>
               </a:rPr>
-              <a:t> shell</a:t>
+              <a:t> --python 3</a:t>
             </a:r>
           </a:p>
           <a:p>
@@ -9765,7 +9798,98 @@
                 <a:latin typeface="Cascadia Mono" pitchFamily="50" charset="0"/>
                 <a:cs typeface="Cascadia Mono" pitchFamily="50" charset="0"/>
               </a:rPr>
-              <a:t>PS&gt; $</a:t>
+              <a:t>PS&gt; </a:t>
+            </a:r>
+            <a:r>
+              <a:rPr lang="en-US" sz="1400" dirty="0" err="1">
+                <a:latin typeface="Cascadia Mono" pitchFamily="50" charset="0"/>
+                <a:cs typeface="Cascadia Mono" pitchFamily="50" charset="0"/>
+              </a:rPr>
+              <a:t>pipenv</a:t>
+            </a:r>
+            <a:r>
+              <a:rPr lang="en-US" sz="1400" dirty="0">
+                <a:latin typeface="Cascadia Mono" pitchFamily="50" charset="0"/>
+                <a:cs typeface="Cascadia Mono" pitchFamily="50" charset="0"/>
+              </a:rPr>
+              <a:t> install </a:t>
+            </a:r>
+            <a:r>
+              <a:rPr lang="en-US" sz="1400" dirty="0" err="1">
+                <a:latin typeface="Cascadia Mono" pitchFamily="50" charset="0"/>
+                <a:cs typeface="Cascadia Mono" pitchFamily="50" charset="0"/>
+              </a:rPr>
+              <a:t>django</a:t>
+            </a:r>
+            <a:endParaRPr lang="en-US" sz="1400" dirty="0">
+              <a:latin typeface="Cascadia Mono" pitchFamily="50" charset="0"/>
+              <a:cs typeface="Cascadia Mono" pitchFamily="50" charset="0"/>
+            </a:endParaRPr>
+          </a:p>
+          <a:p>
+            <a:pPr marL="0" indent="0">
+              <a:buNone/>
+            </a:pPr>
+            <a:r>
+              <a:rPr lang="en-US" sz="1400" dirty="0">
+                <a:latin typeface="Cascadia Mono" pitchFamily="50" charset="0"/>
+                <a:cs typeface="Cascadia Mono" pitchFamily="50" charset="0"/>
+              </a:rPr>
+              <a:t>PS&gt; %</a:t>
+            </a:r>
+            <a:r>
+              <a:rPr lang="en-US" sz="1400" dirty="0" err="1">
+                <a:latin typeface="Cascadia Mono" pitchFamily="50" charset="0"/>
+                <a:cs typeface="Cascadia Mono" pitchFamily="50" charset="0"/>
+              </a:rPr>
+              <a:t>virtual_env</a:t>
+            </a:r>
+            <a:r>
+              <a:rPr lang="en-US" sz="1400" dirty="0">
+                <a:latin typeface="Cascadia Mono" pitchFamily="50" charset="0"/>
+                <a:cs typeface="Cascadia Mono" pitchFamily="50" charset="0"/>
+              </a:rPr>
+              <a:t> </a:t>
+            </a:r>
+            <a:r>
+              <a:rPr lang="en-US" sz="1400" dirty="0" err="1">
+                <a:latin typeface="Cascadia Mono" pitchFamily="50" charset="0"/>
+                <a:cs typeface="Cascadia Mono" pitchFamily="50" charset="0"/>
+              </a:rPr>
+              <a:t>dir</a:t>
+            </a:r>
+            <a:r>
+              <a:rPr lang="en-US" sz="1400" dirty="0">
+                <a:latin typeface="Cascadia Mono" pitchFamily="50" charset="0"/>
+                <a:cs typeface="Cascadia Mono" pitchFamily="50" charset="0"/>
+              </a:rPr>
+              <a:t>%/Scripts/activate.ps1</a:t>
+            </a:r>
+          </a:p>
+          <a:p>
+            <a:pPr marL="0" indent="0">
+              <a:buNone/>
+            </a:pPr>
+            <a:r>
+              <a:rPr lang="en-US" sz="1400" dirty="0">
+                <a:latin typeface="Cascadia Mono" pitchFamily="50" charset="0"/>
+                <a:cs typeface="Cascadia Mono" pitchFamily="50" charset="0"/>
+              </a:rPr>
+              <a:t>(</a:t>
+            </a:r>
+            <a:r>
+              <a:rPr lang="en-US" sz="1400" dirty="0" err="1">
+                <a:latin typeface="Cascadia Mono" pitchFamily="50" charset="0"/>
+                <a:cs typeface="Cascadia Mono" pitchFamily="50" charset="0"/>
+              </a:rPr>
+              <a:t>QuestionPrj</a:t>
+            </a:r>
+            <a:r>
+              <a:rPr lang="en-US" sz="1400" dirty="0">
+                <a:latin typeface="Cascadia Mono" pitchFamily="50" charset="0"/>
+                <a:cs typeface="Cascadia Mono" pitchFamily="50" charset="0"/>
+              </a:rPr>
+              <a:t>) PS&gt; $</a:t>
             </a:r>
             <a:r>
               <a:rPr lang="en-US" sz="1400" dirty="0" err="1">
@@ -9806,8 +9930,8 @@
         </p:nvSpPr>
         <p:spPr>
           <a:xfrm>
-            <a:off x="5134621" y="2339706"/>
-            <a:ext cx="4592346" cy="1530957"/>
+            <a:off x="1734866" y="4157592"/>
+            <a:ext cx="6245352" cy="1790625"/>
           </a:xfrm>
           <a:prstGeom prst="rect">
             <a:avLst/>
@@ -10068,13 +10192,27 @@
                 <a:latin typeface="Cascadia Mono" pitchFamily="50" charset="0"/>
                 <a:cs typeface="Cascadia Mono" pitchFamily="50" charset="0"/>
               </a:rPr>
-              <a:t>PS&gt; </a:t>
+              <a:t>(</a:t>
             </a:r>
             <a:r>
               <a:rPr lang="en-US" sz="1400" dirty="0" err="1">
                 <a:latin typeface="Cascadia Mono" pitchFamily="50" charset="0"/>
                 <a:cs typeface="Cascadia Mono" pitchFamily="50" charset="0"/>
               </a:rPr>
+              <a:t>QuestionPrj</a:t>
+            </a:r>
+            <a:r>
+              <a:rPr lang="en-US" sz="1400" dirty="0">
+                <a:latin typeface="Cascadia Mono" pitchFamily="50" charset="0"/>
+                <a:cs typeface="Cascadia Mono" pitchFamily="50" charset="0"/>
+              </a:rPr>
+              <a:t>) PS&gt; </a:t>
+            </a:r>
+            <a:r>
+              <a:rPr lang="en-US" sz="1400" dirty="0" err="1">
+                <a:latin typeface="Cascadia Mono" pitchFamily="50" charset="0"/>
+                <a:cs typeface="Cascadia Mono" pitchFamily="50" charset="0"/>
+              </a:rPr>
               <a:t>django</a:t>
             </a:r>
             <a:r>
@@ -10105,10 +10243,13 @@
               </a:rPr>
               <a:t>QuestionPrj</a:t>
             </a:r>
-            <a:endParaRPr lang="en-US" sz="1400" dirty="0">
-              <a:latin typeface="Cascadia Mono" pitchFamily="50" charset="0"/>
-              <a:cs typeface="Cascadia Mono" pitchFamily="50" charset="0"/>
-            </a:endParaRPr>
+            <a:r>
+              <a:rPr lang="en-US" sz="1400" dirty="0">
+                <a:latin typeface="Cascadia Mono" pitchFamily="50" charset="0"/>
+                <a:cs typeface="Cascadia Mono" pitchFamily="50" charset="0"/>
+              </a:rPr>
+              <a:t> .</a:t>
+            </a:r>
           </a:p>
           <a:p>
             <a:pPr marL="0" indent="0">
@@ -10119,7 +10260,7 @@
                 <a:latin typeface="Cascadia Mono" pitchFamily="50" charset="0"/>
                 <a:cs typeface="Cascadia Mono" pitchFamily="50" charset="0"/>
               </a:rPr>
-              <a:t>PS&gt; cd </a:t>
+              <a:t>(</a:t>
             </a:r>
             <a:r>
               <a:rPr lang="en-US" sz="1400" dirty="0" err="1">
@@ -10128,21 +10269,12 @@
               </a:rPr>
               <a:t>QuestionPrj</a:t>
             </a:r>
-            <a:endParaRPr lang="en-US" sz="1400" dirty="0">
-              <a:latin typeface="Cascadia Mono" pitchFamily="50" charset="0"/>
-              <a:cs typeface="Cascadia Mono" pitchFamily="50" charset="0"/>
-            </a:endParaRPr>
-          </a:p>
-          <a:p>
-            <a:pPr marL="0" indent="0">
-              <a:buNone/>
-            </a:pPr>
             <a:r>
               <a:rPr lang="en-US" sz="1400" dirty="0">
                 <a:latin typeface="Cascadia Mono" pitchFamily="50" charset="0"/>
                 <a:cs typeface="Cascadia Mono" pitchFamily="50" charset="0"/>
               </a:rPr>
-              <a:t>PS&gt; </a:t>
+              <a:t>) PS&gt; </a:t>
             </a:r>
             <a:r>
               <a:rPr lang="en-US" sz="1400" dirty="0" err="1">
@@ -10192,6 +10324,102 @@
               <a:latin typeface="Cascadia Mono" pitchFamily="50" charset="0"/>
               <a:cs typeface="Cascadia Mono" pitchFamily="50" charset="0"/>
             </a:endParaRPr>
+          </a:p>
+        </p:txBody>
+      </p:sp>
+      <p:sp>
+        <p:nvSpPr>
+          <p:cNvPr id="3" name="Rectangle 2">
+            <a:extLst>
+              <a:ext uri="{FF2B5EF4-FFF2-40B4-BE49-F238E27FC236}">
+                <a16:creationId xmlns:a16="http://schemas.microsoft.com/office/drawing/2014/main" id="{A4537754-E7A2-4523-AFA4-6AF460A604B1}"/>
+              </a:ext>
+            </a:extLst>
+          </p:cNvPr>
+          <p:cNvSpPr/>
+          <p:nvPr/>
+        </p:nvSpPr>
+        <p:spPr>
+          <a:xfrm>
+            <a:off x="7115174" y="4213225"/>
+            <a:ext cx="244475" cy="187325"/>
+          </a:xfrm>
+          <a:prstGeom prst="rect">
+            <a:avLst/>
+          </a:prstGeom>
+          <a:noFill/>
+          <a:ln w="28575"/>
+        </p:spPr>
+        <p:style>
+          <a:lnRef idx="2">
+            <a:schemeClr val="accent1">
+              <a:shade val="50000"/>
+            </a:schemeClr>
+          </a:lnRef>
+          <a:fillRef idx="1">
+            <a:schemeClr val="accent1"/>
+          </a:fillRef>
+          <a:effectRef idx="0">
+            <a:schemeClr val="accent1"/>
+          </a:effectRef>
+          <a:fontRef idx="minor">
+            <a:schemeClr val="lt1"/>
+          </a:fontRef>
+        </p:style>
+        <p:txBody>
+          <a:bodyPr rtlCol="0" anchor="ctr"/>
+          <a:lstStyle/>
+          <a:p>
+            <a:pPr algn="ctr"/>
+            <a:endParaRPr lang="en-MY"/>
+          </a:p>
+        </p:txBody>
+      </p:sp>
+      <p:sp>
+        <p:nvSpPr>
+          <p:cNvPr id="6" name="TextBox 5">
+            <a:extLst>
+              <a:ext uri="{FF2B5EF4-FFF2-40B4-BE49-F238E27FC236}">
+                <a16:creationId xmlns:a16="http://schemas.microsoft.com/office/drawing/2014/main" id="{1E3E495A-057D-4DD1-B86C-D9614972F0AF}"/>
+              </a:ext>
+            </a:extLst>
+          </p:cNvPr>
+          <p:cNvSpPr txBox="1"/>
+          <p:nvPr/>
+        </p:nvSpPr>
+        <p:spPr>
+          <a:xfrm>
+            <a:off x="877570" y="5606871"/>
+            <a:ext cx="9800024" cy="646331"/>
+          </a:xfrm>
+          <a:prstGeom prst="rect">
+            <a:avLst/>
+          </a:prstGeom>
+          <a:solidFill>
+            <a:schemeClr val="tx2">
+              <a:lumMod val="20000"/>
+              <a:lumOff val="80000"/>
+            </a:schemeClr>
+          </a:solidFill>
+        </p:spPr>
+        <p:txBody>
+          <a:bodyPr wrap="square" rtlCol="0">
+            <a:spAutoFit/>
+          </a:bodyPr>
+          <a:lstStyle/>
+          <a:p>
+            <a:pPr algn="ctr"/>
+            <a:r>
+              <a:rPr lang="en-US" dirty="0"/>
+              <a:t>This way of creating project will use current folder ‘.’</a:t>
+            </a:r>
+          </a:p>
+          <a:p>
+            <a:pPr algn="ctr"/>
+            <a:r>
+              <a:rPr lang="en-US" dirty="0"/>
+              <a:t>It will have one level of folder less compare with last time not using the current folder.</a:t>
+            </a:r>
           </a:p>
         </p:txBody>
       </p:sp>
@@ -10762,8 +10990,8 @@
         </p:blipFill>
         <p:spPr>
           <a:xfrm>
-            <a:off x="5999075" y="3990575"/>
-            <a:ext cx="6106377" cy="2867425"/>
+            <a:off x="5589605" y="3657600"/>
+            <a:ext cx="6804362" cy="3195184"/>
           </a:xfrm>
           <a:prstGeom prst="rect">
             <a:avLst/>
@@ -10892,8 +11120,8 @@
         </p:nvSpPr>
         <p:spPr>
           <a:xfrm>
-            <a:off x="2362070" y="1944937"/>
-            <a:ext cx="4592346" cy="1661101"/>
+            <a:off x="1253706" y="1898756"/>
+            <a:ext cx="6826604" cy="1250845"/>
           </a:xfrm>
           <a:prstGeom prst="rect">
             <a:avLst/>
@@ -11154,7 +11382,21 @@
                 <a:latin typeface="Cascadia Mono" pitchFamily="50" charset="0"/>
                 <a:cs typeface="Cascadia Mono" pitchFamily="50" charset="0"/>
               </a:rPr>
-              <a:t>PS&gt; cd </a:t>
+              <a:t>(</a:t>
+            </a:r>
+            <a:r>
+              <a:rPr lang="en-US" sz="1400" dirty="0" err="1">
+                <a:latin typeface="Cascadia Mono" pitchFamily="50" charset="0"/>
+                <a:cs typeface="Cascadia Mono" pitchFamily="50" charset="0"/>
+              </a:rPr>
+              <a:t>QuestionPrj</a:t>
+            </a:r>
+            <a:r>
+              <a:rPr lang="en-US" sz="1400" dirty="0">
+                <a:latin typeface="Cascadia Mono" pitchFamily="50" charset="0"/>
+                <a:cs typeface="Cascadia Mono" pitchFamily="50" charset="0"/>
+              </a:rPr>
+              <a:t>) PS&gt; cd </a:t>
             </a:r>
             <a:r>
               <a:rPr lang="en-US" sz="1400" dirty="0" err="1">
@@ -11177,7 +11419,21 @@
                 <a:latin typeface="Cascadia Mono" pitchFamily="50" charset="0"/>
                 <a:cs typeface="Cascadia Mono" pitchFamily="50" charset="0"/>
               </a:rPr>
-              <a:t>PS&gt; </a:t>
+              <a:t>(</a:t>
+            </a:r>
+            <a:r>
+              <a:rPr lang="en-US" sz="1400" dirty="0" err="1">
+                <a:latin typeface="Cascadia Mono" pitchFamily="50" charset="0"/>
+                <a:cs typeface="Cascadia Mono" pitchFamily="50" charset="0"/>
+              </a:rPr>
+              <a:t>QuestionPrj</a:t>
+            </a:r>
+            <a:r>
+              <a:rPr lang="en-US" sz="1400" dirty="0">
+                <a:latin typeface="Cascadia Mono" pitchFamily="50" charset="0"/>
+                <a:cs typeface="Cascadia Mono" pitchFamily="50" charset="0"/>
+              </a:rPr>
+              <a:t>) PS&gt; </a:t>
             </a:r>
             <a:r>
               <a:rPr lang="en-US" sz="1400" dirty="0" err="1">
@@ -11214,7 +11470,21 @@
                 <a:latin typeface="Cascadia Mono" pitchFamily="50" charset="0"/>
                 <a:cs typeface="Cascadia Mono" pitchFamily="50" charset="0"/>
               </a:rPr>
-              <a:t>PS&gt; </a:t>
+              <a:t>(</a:t>
+            </a:r>
+            <a:r>
+              <a:rPr lang="en-US" sz="1400" dirty="0" err="1">
+                <a:latin typeface="Cascadia Mono" pitchFamily="50" charset="0"/>
+                <a:cs typeface="Cascadia Mono" pitchFamily="50" charset="0"/>
+              </a:rPr>
+              <a:t>QuestionPrj</a:t>
+            </a:r>
+            <a:r>
+              <a:rPr lang="en-US" sz="1400" dirty="0">
+                <a:latin typeface="Cascadia Mono" pitchFamily="50" charset="0"/>
+                <a:cs typeface="Cascadia Mono" pitchFamily="50" charset="0"/>
+              </a:rPr>
+              <a:t>) PS&gt; </a:t>
             </a:r>
             <a:r>
               <a:rPr lang="en-US" sz="1400" dirty="0" err="1">
@@ -11367,7 +11637,7 @@
         </p:nvSpPr>
         <p:spPr>
           <a:xfrm>
-            <a:off x="1920994" y="2093976"/>
+            <a:off x="1376049" y="2093976"/>
             <a:ext cx="4592346" cy="732949"/>
           </a:xfrm>
           <a:prstGeom prst="rect">
@@ -11629,7 +11899,21 @@
                 <a:latin typeface="Cascadia Mono" pitchFamily="50" charset="0"/>
                 <a:cs typeface="Cascadia Mono" pitchFamily="50" charset="0"/>
               </a:rPr>
-              <a:t>PS&gt; cd </a:t>
+              <a:t>(</a:t>
+            </a:r>
+            <a:r>
+              <a:rPr lang="en-US" sz="1400" dirty="0" err="1">
+                <a:latin typeface="Cascadia Mono" pitchFamily="50" charset="0"/>
+                <a:cs typeface="Cascadia Mono" pitchFamily="50" charset="0"/>
+              </a:rPr>
+              <a:t>QuestionPrj</a:t>
+            </a:r>
+            <a:r>
+              <a:rPr lang="en-US" sz="1400" dirty="0">
+                <a:latin typeface="Cascadia Mono" pitchFamily="50" charset="0"/>
+                <a:cs typeface="Cascadia Mono" pitchFamily="50" charset="0"/>
+              </a:rPr>
+              <a:t>) PS&gt; cd </a:t>
             </a:r>
             <a:r>
               <a:rPr lang="en-US" sz="1400" dirty="0" err="1">
@@ -11652,7 +11936,21 @@
                 <a:latin typeface="Cascadia Mono" pitchFamily="50" charset="0"/>
                 <a:cs typeface="Cascadia Mono" pitchFamily="50" charset="0"/>
               </a:rPr>
-              <a:t>PS&gt; </a:t>
+              <a:t>(</a:t>
+            </a:r>
+            <a:r>
+              <a:rPr lang="en-US" sz="1400" dirty="0" err="1">
+                <a:latin typeface="Cascadia Mono" pitchFamily="50" charset="0"/>
+                <a:cs typeface="Cascadia Mono" pitchFamily="50" charset="0"/>
+              </a:rPr>
+              <a:t>QuestionPrj</a:t>
+            </a:r>
+            <a:r>
+              <a:rPr lang="en-US" sz="1400" dirty="0">
+                <a:latin typeface="Cascadia Mono" pitchFamily="50" charset="0"/>
+                <a:cs typeface="Cascadia Mono" pitchFamily="50" charset="0"/>
+              </a:rPr>
+              <a:t>) PS&gt; </a:t>
             </a:r>
             <a:r>
               <a:rPr lang="en-US" sz="1400" dirty="0" err="1">
@@ -14211,7 +14509,7 @@
                 <a:latin typeface="Cascadia Mono" pitchFamily="50" charset="0"/>
                 <a:cs typeface="Cascadia Mono" pitchFamily="50" charset="0"/>
               </a:rPr>
-              <a:t># record query / filtering from database. Using ‘__’ like when in python code using ‘.’</a:t>
+              <a:t># record query / filtering from database. Using ‘__’ like when in python code using ‘.’ for attributes</a:t>
             </a:r>
           </a:p>
           <a:p>
@@ -14874,6 +15172,432 @@
               <a:latin typeface="Cascadia Mono" pitchFamily="50" charset="0"/>
               <a:cs typeface="Cascadia Mono" pitchFamily="50" charset="0"/>
             </a:endParaRPr>
+          </a:p>
+        </p:txBody>
+      </p:sp>
+      <p:cxnSp>
+        <p:nvCxnSpPr>
+          <p:cNvPr id="3" name="Straight Arrow Connector 2">
+            <a:extLst>
+              <a:ext uri="{FF2B5EF4-FFF2-40B4-BE49-F238E27FC236}">
+                <a16:creationId xmlns:a16="http://schemas.microsoft.com/office/drawing/2014/main" id="{03BFC93A-42BE-4B06-B21A-181D37917AD3}"/>
+              </a:ext>
+            </a:extLst>
+          </p:cNvPr>
+          <p:cNvCxnSpPr>
+            <a:cxnSpLocks/>
+          </p:cNvCxnSpPr>
+          <p:nvPr/>
+        </p:nvCxnSpPr>
+        <p:spPr>
+          <a:xfrm flipH="1" flipV="1">
+            <a:off x="5412511" y="683493"/>
+            <a:ext cx="2050471" cy="609598"/>
+          </a:xfrm>
+          <a:prstGeom prst="straightConnector1">
+            <a:avLst/>
+          </a:prstGeom>
+          <a:ln>
+            <a:tailEnd type="triangle"/>
+          </a:ln>
+        </p:spPr>
+        <p:style>
+          <a:lnRef idx="1">
+            <a:schemeClr val="accent1"/>
+          </a:lnRef>
+          <a:fillRef idx="0">
+            <a:schemeClr val="accent1"/>
+          </a:fillRef>
+          <a:effectRef idx="0">
+            <a:schemeClr val="accent1"/>
+          </a:effectRef>
+          <a:fontRef idx="minor">
+            <a:schemeClr val="tx1"/>
+          </a:fontRef>
+        </p:style>
+      </p:cxnSp>
+      <p:cxnSp>
+        <p:nvCxnSpPr>
+          <p:cNvPr id="9" name="Straight Arrow Connector 8">
+            <a:extLst>
+              <a:ext uri="{FF2B5EF4-FFF2-40B4-BE49-F238E27FC236}">
+                <a16:creationId xmlns:a16="http://schemas.microsoft.com/office/drawing/2014/main" id="{A9A7B876-0EC4-46C2-83F0-70A11DED24F0}"/>
+              </a:ext>
+            </a:extLst>
+          </p:cNvPr>
+          <p:cNvCxnSpPr>
+            <a:cxnSpLocks/>
+          </p:cNvCxnSpPr>
+          <p:nvPr/>
+        </p:nvCxnSpPr>
+        <p:spPr>
+          <a:xfrm flipH="1">
+            <a:off x="6096000" y="1533236"/>
+            <a:ext cx="1366982" cy="295564"/>
+          </a:xfrm>
+          <a:prstGeom prst="straightConnector1">
+            <a:avLst/>
+          </a:prstGeom>
+          <a:ln>
+            <a:tailEnd type="triangle"/>
+          </a:ln>
+        </p:spPr>
+        <p:style>
+          <a:lnRef idx="1">
+            <a:schemeClr val="accent1"/>
+          </a:lnRef>
+          <a:fillRef idx="0">
+            <a:schemeClr val="accent1"/>
+          </a:fillRef>
+          <a:effectRef idx="0">
+            <a:schemeClr val="accent1"/>
+          </a:effectRef>
+          <a:fontRef idx="minor">
+            <a:schemeClr val="tx1"/>
+          </a:fontRef>
+        </p:style>
+      </p:cxnSp>
+      <p:cxnSp>
+        <p:nvCxnSpPr>
+          <p:cNvPr id="12" name="Straight Arrow Connector 11">
+            <a:extLst>
+              <a:ext uri="{FF2B5EF4-FFF2-40B4-BE49-F238E27FC236}">
+                <a16:creationId xmlns:a16="http://schemas.microsoft.com/office/drawing/2014/main" id="{7A09CE2B-70CA-48AE-AFDF-EAA0FCC83D7B}"/>
+              </a:ext>
+            </a:extLst>
+          </p:cNvPr>
+          <p:cNvCxnSpPr>
+            <a:cxnSpLocks/>
+          </p:cNvCxnSpPr>
+          <p:nvPr/>
+        </p:nvCxnSpPr>
+        <p:spPr>
+          <a:xfrm flipH="1">
+            <a:off x="6169893" y="1828800"/>
+            <a:ext cx="1293089" cy="849745"/>
+          </a:xfrm>
+          <a:prstGeom prst="straightConnector1">
+            <a:avLst/>
+          </a:prstGeom>
+          <a:ln>
+            <a:tailEnd type="triangle"/>
+          </a:ln>
+        </p:spPr>
+        <p:style>
+          <a:lnRef idx="1">
+            <a:schemeClr val="accent1"/>
+          </a:lnRef>
+          <a:fillRef idx="0">
+            <a:schemeClr val="accent1"/>
+          </a:fillRef>
+          <a:effectRef idx="0">
+            <a:schemeClr val="accent1"/>
+          </a:effectRef>
+          <a:fontRef idx="minor">
+            <a:schemeClr val="tx1"/>
+          </a:fontRef>
+        </p:style>
+      </p:cxnSp>
+      <p:sp>
+        <p:nvSpPr>
+          <p:cNvPr id="21" name="Content Placeholder 2">
+            <a:extLst>
+              <a:ext uri="{FF2B5EF4-FFF2-40B4-BE49-F238E27FC236}">
+                <a16:creationId xmlns:a16="http://schemas.microsoft.com/office/drawing/2014/main" id="{123C2738-24E0-49F0-8956-6E2DA905C5FB}"/>
+              </a:ext>
+            </a:extLst>
+          </p:cNvPr>
+          <p:cNvSpPr txBox="1">
+            <a:spLocks/>
+          </p:cNvSpPr>
+          <p:nvPr/>
+        </p:nvSpPr>
+        <p:spPr>
+          <a:xfrm>
+            <a:off x="7462982" y="1145011"/>
+            <a:ext cx="4729018" cy="2189316"/>
+          </a:xfrm>
+          <a:prstGeom prst="rect">
+            <a:avLst/>
+          </a:prstGeom>
+          <a:solidFill>
+            <a:schemeClr val="bg1">
+              <a:lumMod val="85000"/>
+            </a:schemeClr>
+          </a:solidFill>
+        </p:spPr>
+        <p:txBody>
+          <a:bodyPr vert="horz" lIns="91440" tIns="45720" rIns="91440" bIns="45720" rtlCol="0">
+            <a:normAutofit fontScale="92500" lnSpcReduction="10000"/>
+          </a:bodyPr>
+          <a:lstStyle>
+            <a:lvl1pPr marL="182880" indent="-182880" algn="l" defTabSz="914400" rtl="0" eaLnBrk="1" latinLnBrk="0" hangingPunct="1">
+              <a:lnSpc>
+                <a:spcPct val="90000"/>
+              </a:lnSpc>
+              <a:spcBef>
+                <a:spcPts val="1200"/>
+              </a:spcBef>
+              <a:buClr>
+                <a:schemeClr val="accent1">
+                  <a:lumMod val="75000"/>
+                </a:schemeClr>
+              </a:buClr>
+              <a:buSzPct val="85000"/>
+              <a:buFont typeface="Wingdings" pitchFamily="2" charset="2"/>
+              <a:buChar char="§"/>
+              <a:defRPr sz="2000" kern="1200">
+                <a:solidFill>
+                  <a:schemeClr val="tx1"/>
+                </a:solidFill>
+                <a:latin typeface="+mn-lt"/>
+                <a:ea typeface="+mn-ea"/>
+                <a:cs typeface="+mn-cs"/>
+              </a:defRPr>
+            </a:lvl1pPr>
+            <a:lvl2pPr marL="457200" indent="-182880" algn="l" defTabSz="914400" rtl="0" eaLnBrk="1" latinLnBrk="0" hangingPunct="1">
+              <a:lnSpc>
+                <a:spcPct val="90000"/>
+              </a:lnSpc>
+              <a:spcBef>
+                <a:spcPts val="400"/>
+              </a:spcBef>
+              <a:spcAft>
+                <a:spcPts val="200"/>
+              </a:spcAft>
+              <a:buClr>
+                <a:schemeClr val="accent1">
+                  <a:lumMod val="75000"/>
+                </a:schemeClr>
+              </a:buClr>
+              <a:buSzPct val="85000"/>
+              <a:buFont typeface="Wingdings" pitchFamily="2" charset="2"/>
+              <a:buChar char="§"/>
+              <a:defRPr sz="1800" kern="1200">
+                <a:solidFill>
+                  <a:schemeClr val="tx1"/>
+                </a:solidFill>
+                <a:latin typeface="+mn-lt"/>
+                <a:ea typeface="+mn-ea"/>
+                <a:cs typeface="+mn-cs"/>
+              </a:defRPr>
+            </a:lvl2pPr>
+            <a:lvl3pPr marL="731520" indent="-182880" algn="l" defTabSz="914400" rtl="0" eaLnBrk="1" latinLnBrk="0" hangingPunct="1">
+              <a:lnSpc>
+                <a:spcPct val="90000"/>
+              </a:lnSpc>
+              <a:spcBef>
+                <a:spcPts val="400"/>
+              </a:spcBef>
+              <a:spcAft>
+                <a:spcPts val="200"/>
+              </a:spcAft>
+              <a:buClr>
+                <a:schemeClr val="accent1">
+                  <a:lumMod val="75000"/>
+                </a:schemeClr>
+              </a:buClr>
+              <a:buSzPct val="85000"/>
+              <a:buFont typeface="Wingdings" pitchFamily="2" charset="2"/>
+              <a:buChar char="§"/>
+              <a:defRPr sz="1600" kern="1200">
+                <a:solidFill>
+                  <a:schemeClr val="tx1"/>
+                </a:solidFill>
+                <a:latin typeface="+mn-lt"/>
+                <a:ea typeface="+mn-ea"/>
+                <a:cs typeface="+mn-cs"/>
+              </a:defRPr>
+            </a:lvl3pPr>
+            <a:lvl4pPr marL="1005840" indent="-182880" algn="l" defTabSz="914400" rtl="0" eaLnBrk="1" latinLnBrk="0" hangingPunct="1">
+              <a:lnSpc>
+                <a:spcPct val="90000"/>
+              </a:lnSpc>
+              <a:spcBef>
+                <a:spcPts val="400"/>
+              </a:spcBef>
+              <a:spcAft>
+                <a:spcPts val="200"/>
+              </a:spcAft>
+              <a:buClr>
+                <a:schemeClr val="accent1">
+                  <a:lumMod val="75000"/>
+                </a:schemeClr>
+              </a:buClr>
+              <a:buSzPct val="85000"/>
+              <a:buFont typeface="Wingdings" pitchFamily="2" charset="2"/>
+              <a:buChar char="§"/>
+              <a:defRPr sz="1600" kern="1200">
+                <a:solidFill>
+                  <a:schemeClr val="tx1"/>
+                </a:solidFill>
+                <a:latin typeface="+mn-lt"/>
+                <a:ea typeface="+mn-ea"/>
+                <a:cs typeface="+mn-cs"/>
+              </a:defRPr>
+            </a:lvl4pPr>
+            <a:lvl5pPr marL="1280160" indent="-182880" algn="l" defTabSz="914400" rtl="0" eaLnBrk="1" latinLnBrk="0" hangingPunct="1">
+              <a:lnSpc>
+                <a:spcPct val="90000"/>
+              </a:lnSpc>
+              <a:spcBef>
+                <a:spcPts val="400"/>
+              </a:spcBef>
+              <a:spcAft>
+                <a:spcPts val="200"/>
+              </a:spcAft>
+              <a:buClr>
+                <a:schemeClr val="accent1">
+                  <a:lumMod val="75000"/>
+                </a:schemeClr>
+              </a:buClr>
+              <a:buSzPct val="85000"/>
+              <a:buFont typeface="Wingdings" pitchFamily="2" charset="2"/>
+              <a:buChar char="§"/>
+              <a:defRPr sz="1600" kern="1200">
+                <a:solidFill>
+                  <a:schemeClr val="tx1"/>
+                </a:solidFill>
+                <a:latin typeface="+mn-lt"/>
+                <a:ea typeface="+mn-ea"/>
+                <a:cs typeface="+mn-cs"/>
+              </a:defRPr>
+            </a:lvl5pPr>
+            <a:lvl6pPr marL="1600000" indent="-228600" algn="l" defTabSz="914400" rtl="0" eaLnBrk="1" latinLnBrk="0" hangingPunct="1">
+              <a:lnSpc>
+                <a:spcPct val="90000"/>
+              </a:lnSpc>
+              <a:spcBef>
+                <a:spcPts val="400"/>
+              </a:spcBef>
+              <a:spcAft>
+                <a:spcPts val="200"/>
+              </a:spcAft>
+              <a:buClr>
+                <a:schemeClr val="accent1">
+                  <a:lumMod val="75000"/>
+                </a:schemeClr>
+              </a:buClr>
+              <a:buSzPct val="85000"/>
+              <a:buFont typeface="Wingdings" pitchFamily="2" charset="2"/>
+              <a:buChar char="§"/>
+              <a:defRPr sz="1600" kern="1200">
+                <a:solidFill>
+                  <a:schemeClr val="tx1"/>
+                </a:solidFill>
+                <a:latin typeface="+mn-lt"/>
+                <a:ea typeface="+mn-ea"/>
+                <a:cs typeface="+mn-cs"/>
+              </a:defRPr>
+            </a:lvl6pPr>
+            <a:lvl7pPr marL="1900000" indent="-228600" algn="l" defTabSz="914400" rtl="0" eaLnBrk="1" latinLnBrk="0" hangingPunct="1">
+              <a:lnSpc>
+                <a:spcPct val="90000"/>
+              </a:lnSpc>
+              <a:spcBef>
+                <a:spcPts val="400"/>
+              </a:spcBef>
+              <a:spcAft>
+                <a:spcPts val="200"/>
+              </a:spcAft>
+              <a:buClr>
+                <a:schemeClr val="accent1">
+                  <a:lumMod val="75000"/>
+                </a:schemeClr>
+              </a:buClr>
+              <a:buSzPct val="85000"/>
+              <a:buFont typeface="Wingdings" pitchFamily="2" charset="2"/>
+              <a:buChar char="§"/>
+              <a:defRPr sz="1600" kern="1200">
+                <a:solidFill>
+                  <a:schemeClr val="tx1"/>
+                </a:solidFill>
+                <a:latin typeface="+mn-lt"/>
+                <a:ea typeface="+mn-ea"/>
+                <a:cs typeface="+mn-cs"/>
+              </a:defRPr>
+            </a:lvl7pPr>
+            <a:lvl8pPr marL="2200000" indent="-228600" algn="l" defTabSz="914400" rtl="0" eaLnBrk="1" latinLnBrk="0" hangingPunct="1">
+              <a:lnSpc>
+                <a:spcPct val="90000"/>
+              </a:lnSpc>
+              <a:spcBef>
+                <a:spcPts val="400"/>
+              </a:spcBef>
+              <a:spcAft>
+                <a:spcPts val="200"/>
+              </a:spcAft>
+              <a:buClr>
+                <a:schemeClr val="accent1">
+                  <a:lumMod val="75000"/>
+                </a:schemeClr>
+              </a:buClr>
+              <a:buSzPct val="85000"/>
+              <a:buFont typeface="Wingdings" pitchFamily="2" charset="2"/>
+              <a:buChar char="§"/>
+              <a:defRPr sz="1600" kern="1200">
+                <a:solidFill>
+                  <a:schemeClr val="tx1"/>
+                </a:solidFill>
+                <a:latin typeface="+mn-lt"/>
+                <a:ea typeface="+mn-ea"/>
+                <a:cs typeface="+mn-cs"/>
+              </a:defRPr>
+            </a:lvl8pPr>
+            <a:lvl9pPr marL="2500000" indent="-228600" algn="l" defTabSz="914400" rtl="0" eaLnBrk="1" latinLnBrk="0" hangingPunct="1">
+              <a:lnSpc>
+                <a:spcPct val="90000"/>
+              </a:lnSpc>
+              <a:spcBef>
+                <a:spcPts val="400"/>
+              </a:spcBef>
+              <a:spcAft>
+                <a:spcPts val="200"/>
+              </a:spcAft>
+              <a:buClr>
+                <a:schemeClr val="accent1">
+                  <a:lumMod val="75000"/>
+                </a:schemeClr>
+              </a:buClr>
+              <a:buSzPct val="85000"/>
+              <a:buFont typeface="Wingdings" pitchFamily="2" charset="2"/>
+              <a:buChar char="§"/>
+              <a:defRPr sz="1600" kern="1200">
+                <a:solidFill>
+                  <a:schemeClr val="tx1"/>
+                </a:solidFill>
+                <a:latin typeface="+mn-lt"/>
+                <a:ea typeface="+mn-ea"/>
+                <a:cs typeface="+mn-cs"/>
+              </a:defRPr>
+            </a:lvl9pPr>
+          </a:lstStyle>
+          <a:p>
+            <a:pPr marL="0" indent="0">
+              <a:buNone/>
+            </a:pPr>
+            <a:r>
+              <a:rPr lang="en-US" dirty="0"/>
+              <a:t>Special syntax is used to avoid conflict with python interpreter.</a:t>
+            </a:r>
+          </a:p>
+          <a:p>
+            <a:pPr marL="0" indent="0">
+              <a:buNone/>
+            </a:pPr>
+            <a:r>
+              <a:rPr lang="en-US" dirty="0"/>
+              <a:t>Python will pass it as keyword parameter to filter() method, then inside filter() do special process, make SQL process.</a:t>
+            </a:r>
+          </a:p>
+          <a:p>
+            <a:pPr marL="0" indent="0">
+              <a:buNone/>
+            </a:pPr>
+            <a:r>
+              <a:rPr lang="en-US" dirty="0"/>
+              <a:t>More detail please check Django reference manual for “Making Queries”</a:t>
+            </a:r>
           </a:p>
         </p:txBody>
       </p:sp>

--- a/Py Web Unit2.pptx
+++ b/Py Web Unit2.pptx
@@ -1355,7 +1355,7 @@
   <pc:docChgLst>
     <pc:chgData name="Li Lixiang" userId="6104bbfcb56aea79" providerId="LiveId" clId="{3CA1537B-E7CC-47B6-AE62-BBF2C9C5EA30}"/>
     <pc:docChg chg="undo custSel addSld delSld modSld sldOrd">
-      <pc:chgData name="Li Lixiang" userId="6104bbfcb56aea79" providerId="LiveId" clId="{3CA1537B-E7CC-47B6-AE62-BBF2C9C5EA30}" dt="2021-11-01T13:58:32.298" v="7698" actId="14100"/>
+      <pc:chgData name="Li Lixiang" userId="6104bbfcb56aea79" providerId="LiveId" clId="{3CA1537B-E7CC-47B6-AE62-BBF2C9C5EA30}" dt="2021-11-18T12:45:18.550" v="7705" actId="1037"/>
       <pc:docMkLst>
         <pc:docMk/>
       </pc:docMkLst>
@@ -1667,7 +1667,7 @@
         </pc:picChg>
       </pc:sldChg>
       <pc:sldChg chg="addSp delSp modSp mod">
-        <pc:chgData name="Li Lixiang" userId="6104bbfcb56aea79" providerId="LiveId" clId="{3CA1537B-E7CC-47B6-AE62-BBF2C9C5EA30}" dt="2021-10-22T07:27:12.312" v="6807"/>
+        <pc:chgData name="Li Lixiang" userId="6104bbfcb56aea79" providerId="LiveId" clId="{3CA1537B-E7CC-47B6-AE62-BBF2C9C5EA30}" dt="2021-11-18T12:45:18.550" v="7705" actId="1037"/>
         <pc:sldMkLst>
           <pc:docMk/>
           <pc:sldMk cId="3489188295" sldId="262"/>
@@ -1689,7 +1689,7 @@
           </ac:spMkLst>
         </pc:spChg>
         <pc:spChg chg="add mod">
-          <ac:chgData name="Li Lixiang" userId="6104bbfcb56aea79" providerId="LiveId" clId="{3CA1537B-E7CC-47B6-AE62-BBF2C9C5EA30}" dt="2021-10-18T12:47:05.199" v="6375" actId="1582"/>
+          <ac:chgData name="Li Lixiang" userId="6104bbfcb56aea79" providerId="LiveId" clId="{3CA1537B-E7CC-47B6-AE62-BBF2C9C5EA30}" dt="2021-11-18T12:45:18.550" v="7705" actId="1037"/>
           <ac:spMkLst>
             <pc:docMk/>
             <pc:sldMk cId="3489188295" sldId="262"/>
@@ -2759,7 +2759,7 @@
             <a:fld id="{A5B0A250-5CC0-1746-B209-08E8B0DAE6AF}" type="datetimeFigureOut">
               <a:rPr lang="en-US" smtClean="0"/>
               <a:pPr algn="l"/>
-              <a:t>11/1/2021</a:t>
+              <a:t>11/18/2021</a:t>
             </a:fld>
             <a:endParaRPr lang="en-US" dirty="0"/>
           </a:p>
@@ -2938,7 +2938,7 @@
           <a:p>
             <a:fld id="{A5B0A250-5CC0-1746-B209-08E8B0DAE6AF}" type="datetimeFigureOut">
               <a:rPr lang="en-US" smtClean="0"/>
-              <a:t>11/1/2021</a:t>
+              <a:t>11/18/2021</a:t>
             </a:fld>
             <a:endParaRPr lang="en-US" dirty="0"/>
           </a:p>
@@ -3118,7 +3118,7 @@
           <a:p>
             <a:fld id="{A5B0A250-5CC0-1746-B209-08E8B0DAE6AF}" type="datetimeFigureOut">
               <a:rPr lang="en-US" smtClean="0"/>
-              <a:t>11/1/2021</a:t>
+              <a:t>11/18/2021</a:t>
             </a:fld>
             <a:endParaRPr lang="en-US"/>
           </a:p>
@@ -3288,7 +3288,7 @@
           <a:p>
             <a:fld id="{A5B0A250-5CC0-1746-B209-08E8B0DAE6AF}" type="datetimeFigureOut">
               <a:rPr lang="en-US" smtClean="0"/>
-              <a:t>11/1/2021</a:t>
+              <a:t>11/18/2021</a:t>
             </a:fld>
             <a:endParaRPr lang="en-US" dirty="0"/>
           </a:p>
@@ -3601,7 +3601,7 @@
           <a:p>
             <a:fld id="{A5B0A250-5CC0-1746-B209-08E8B0DAE6AF}" type="datetimeFigureOut">
               <a:rPr lang="en-US" smtClean="0"/>
-              <a:t>11/1/2021</a:t>
+              <a:t>11/18/2021</a:t>
             </a:fld>
             <a:endParaRPr lang="en-US" dirty="0"/>
           </a:p>
@@ -3987,7 +3987,7 @@
           <a:p>
             <a:fld id="{A5B0A250-5CC0-1746-B209-08E8B0DAE6AF}" type="datetimeFigureOut">
               <a:rPr lang="en-US" smtClean="0"/>
-              <a:t>11/1/2021</a:t>
+              <a:t>11/18/2021</a:t>
             </a:fld>
             <a:endParaRPr lang="en-US" dirty="0"/>
           </a:p>
@@ -4421,7 +4421,7 @@
           <a:p>
             <a:fld id="{A5B0A250-5CC0-1746-B209-08E8B0DAE6AF}" type="datetimeFigureOut">
               <a:rPr lang="en-US" smtClean="0"/>
-              <a:t>11/1/2021</a:t>
+              <a:t>11/18/2021</a:t>
             </a:fld>
             <a:endParaRPr lang="en-US" dirty="0"/>
           </a:p>
@@ -4539,7 +4539,7 @@
           <a:p>
             <a:fld id="{A5B0A250-5CC0-1746-B209-08E8B0DAE6AF}" type="datetimeFigureOut">
               <a:rPr lang="en-US" smtClean="0"/>
-              <a:t>11/1/2021</a:t>
+              <a:t>11/18/2021</a:t>
             </a:fld>
             <a:endParaRPr lang="en-US" dirty="0"/>
           </a:p>
@@ -4635,7 +4635,7 @@
             <a:fld id="{A5B0A250-5CC0-1746-B209-08E8B0DAE6AF}" type="datetimeFigureOut">
               <a:rPr lang="en-US" smtClean="0"/>
               <a:pPr/>
-              <a:t>11/1/2021</a:t>
+              <a:t>11/18/2021</a:t>
             </a:fld>
             <a:endParaRPr lang="en-US" dirty="0"/>
           </a:p>
@@ -4986,7 +4986,7 @@
           <a:p>
             <a:fld id="{A5B0A250-5CC0-1746-B209-08E8B0DAE6AF}" type="datetimeFigureOut">
               <a:rPr lang="en-US" smtClean="0"/>
-              <a:t>11/1/2021</a:t>
+              <a:t>11/18/2021</a:t>
             </a:fld>
             <a:endParaRPr lang="en-US" dirty="0"/>
           </a:p>
@@ -5411,7 +5411,7 @@
           <a:p>
             <a:fld id="{A5B0A250-5CC0-1746-B209-08E8B0DAE6AF}" type="datetimeFigureOut">
               <a:rPr lang="en-US" smtClean="0"/>
-              <a:t>11/1/2021</a:t>
+              <a:t>11/18/2021</a:t>
             </a:fld>
             <a:endParaRPr lang="en-US" dirty="0"/>
           </a:p>
@@ -5693,7 +5693,7 @@
             <a:fld id="{A5B0A250-5CC0-1746-B209-08E8B0DAE6AF}" type="datetimeFigureOut">
               <a:rPr lang="en-US" smtClean="0"/>
               <a:pPr/>
-              <a:t>11/1/2021</a:t>
+              <a:t>11/18/2021</a:t>
             </a:fld>
             <a:endParaRPr lang="en-US" dirty="0"/>
           </a:p>
@@ -10341,7 +10341,7 @@
         </p:nvSpPr>
         <p:spPr>
           <a:xfrm>
-            <a:off x="7115174" y="4213225"/>
+            <a:off x="7648574" y="4246451"/>
             <a:ext cx="244475" cy="187325"/>
           </a:xfrm>
           <a:prstGeom prst="rect">
